--- a/Lecture Slides/VideoLectureSlides/1.7.pptx
+++ b/Lecture Slides/VideoLectureSlides/1.7.pptx
@@ -10,10 +10,10 @@
   <p:sldIdLst>
     <p:sldId id="256" r:id="rId5"/>
     <p:sldId id="288" r:id="rId6"/>
-    <p:sldId id="296" r:id="rId7"/>
-    <p:sldId id="297" r:id="rId8"/>
-    <p:sldId id="298" r:id="rId9"/>
-    <p:sldId id="299" r:id="rId10"/>
+    <p:sldId id="289" r:id="rId7"/>
+    <p:sldId id="290" r:id="rId8"/>
+    <p:sldId id="292" r:id="rId9"/>
+    <p:sldId id="293" r:id="rId10"/>
     <p:sldId id="287" r:id="rId11"/>
   </p:sldIdLst>
   <p:sldSz cx="9144000" cy="6858000" type="screen4x3"/>
@@ -149,7 +149,7 @@
 <file path=ppt/revisionInfo.xml><?xml version="1.0" encoding="utf-8"?>
 <p1510:revInfo xmlns:a="http://schemas.openxmlformats.org/drawingml/2006/main" xmlns:r="http://schemas.openxmlformats.org/officeDocument/2006/relationships" xmlns:p1510="http://schemas.microsoft.com/office/powerpoint/2015/10/main">
   <p1510:revLst>
-    <p1510:client id="{5A88BAA8-3815-4A06-A58E-370C48AD1AC5}" v="4" dt="2020-08-23T19:31:08.628"/>
+    <p1510:client id="{B19E1BD0-F712-4867-B478-84220143970B}" v="99" dt="2020-08-23T18:33:19.737"/>
   </p1510:revLst>
 </p1510:revInfo>
 </file>
@@ -158,19 +158,19 @@
 <pc:chgInfo xmlns:a="http://schemas.openxmlformats.org/drawingml/2006/main" xmlns:r="http://schemas.openxmlformats.org/officeDocument/2006/relationships" xmlns:ac="http://schemas.microsoft.com/office/drawing/2013/main/command" xmlns:pc="http://schemas.microsoft.com/office/powerpoint/2013/main/command">
   <pc:docChgLst>
     <pc:chgData name="Moore, Jacob Preston" userId="fdd3fd0f-c483-48c9-988d-7deb216763fd" providerId="ADAL" clId="{1DEC9EA4-08C1-4B16-BA96-BA475B1550BC}"/>
-    <pc:docChg chg="addSld delSld modSld">
-      <pc:chgData name="Moore, Jacob Preston" userId="fdd3fd0f-c483-48c9-988d-7deb216763fd" providerId="ADAL" clId="{1DEC9EA4-08C1-4B16-BA96-BA475B1550BC}" dt="2020-08-23T19:31:08.628" v="18"/>
+    <pc:docChg chg="custSel addSld delSld modSld">
+      <pc:chgData name="Moore, Jacob Preston" userId="fdd3fd0f-c483-48c9-988d-7deb216763fd" providerId="ADAL" clId="{1DEC9EA4-08C1-4B16-BA96-BA475B1550BC}" dt="2020-08-23T18:23:16.909" v="52" actId="2696"/>
       <pc:docMkLst>
         <pc:docMk/>
       </pc:docMkLst>
       <pc:sldChg chg="modSp">
-        <pc:chgData name="Moore, Jacob Preston" userId="fdd3fd0f-c483-48c9-988d-7deb216763fd" providerId="ADAL" clId="{1DEC9EA4-08C1-4B16-BA96-BA475B1550BC}" dt="2020-08-23T19:28:28.372" v="10" actId="20577"/>
+        <pc:chgData name="Moore, Jacob Preston" userId="fdd3fd0f-c483-48c9-988d-7deb216763fd" providerId="ADAL" clId="{1DEC9EA4-08C1-4B16-BA96-BA475B1550BC}" dt="2020-08-23T18:22:09.171" v="36" actId="20577"/>
         <pc:sldMkLst>
           <pc:docMk/>
           <pc:sldMk cId="3080430471" sldId="256"/>
         </pc:sldMkLst>
         <pc:spChg chg="mod">
-          <ac:chgData name="Moore, Jacob Preston" userId="fdd3fd0f-c483-48c9-988d-7deb216763fd" providerId="ADAL" clId="{1DEC9EA4-08C1-4B16-BA96-BA475B1550BC}" dt="2020-08-23T19:28:28.372" v="10" actId="20577"/>
+          <ac:chgData name="Moore, Jacob Preston" userId="fdd3fd0f-c483-48c9-988d-7deb216763fd" providerId="ADAL" clId="{1DEC9EA4-08C1-4B16-BA96-BA475B1550BC}" dt="2020-08-23T18:22:09.171" v="36" actId="20577"/>
           <ac:spMkLst>
             <pc:docMk/>
             <pc:sldMk cId="3080430471" sldId="256"/>
@@ -178,61 +178,201 @@
           </ac:spMkLst>
         </pc:spChg>
       </pc:sldChg>
-      <pc:sldChg chg="add del modAnim">
-        <pc:chgData name="Moore, Jacob Preston" userId="fdd3fd0f-c483-48c9-988d-7deb216763fd" providerId="ADAL" clId="{1DEC9EA4-08C1-4B16-BA96-BA475B1550BC}" dt="2020-08-23T19:30:55.875" v="16"/>
+      <pc:sldChg chg="del">
+        <pc:chgData name="Moore, Jacob Preston" userId="fdd3fd0f-c483-48c9-988d-7deb216763fd" providerId="ADAL" clId="{1DEC9EA4-08C1-4B16-BA96-BA475B1550BC}" dt="2020-08-23T18:23:10.125" v="37" actId="2696"/>
+        <pc:sldMkLst>
+          <pc:docMk/>
+          <pc:sldMk cId="3309860852" sldId="288"/>
+        </pc:sldMkLst>
+      </pc:sldChg>
+      <pc:sldChg chg="add">
+        <pc:chgData name="Moore, Jacob Preston" userId="fdd3fd0f-c483-48c9-988d-7deb216763fd" providerId="ADAL" clId="{1DEC9EA4-08C1-4B16-BA96-BA475B1550BC}" dt="2020-08-23T18:23:12.302" v="47"/>
         <pc:sldMkLst>
           <pc:docMk/>
           <pc:sldMk cId="3642683568" sldId="288"/>
         </pc:sldMkLst>
       </pc:sldChg>
       <pc:sldChg chg="del">
-        <pc:chgData name="Moore, Jacob Preston" userId="fdd3fd0f-c483-48c9-988d-7deb216763fd" providerId="ADAL" clId="{1DEC9EA4-08C1-4B16-BA96-BA475B1550BC}" dt="2020-08-23T19:28:53.116" v="12" actId="2696"/>
+        <pc:chgData name="Moore, Jacob Preston" userId="fdd3fd0f-c483-48c9-988d-7deb216763fd" providerId="ADAL" clId="{1DEC9EA4-08C1-4B16-BA96-BA475B1550BC}" dt="2020-08-23T18:23:10.273" v="39" actId="2696"/>
         <pc:sldMkLst>
           <pc:docMk/>
-          <pc:sldMk cId="3990908239" sldId="293"/>
+          <pc:sldMk cId="1182082120" sldId="289"/>
+        </pc:sldMkLst>
+      </pc:sldChg>
+      <pc:sldChg chg="add">
+        <pc:chgData name="Moore, Jacob Preston" userId="fdd3fd0f-c483-48c9-988d-7deb216763fd" providerId="ADAL" clId="{1DEC9EA4-08C1-4B16-BA96-BA475B1550BC}" dt="2020-08-23T18:23:12.302" v="47"/>
+        <pc:sldMkLst>
+          <pc:docMk/>
+          <pc:sldMk cId="2525870602" sldId="289"/>
+        </pc:sldMkLst>
+      </pc:sldChg>
+      <pc:sldChg chg="add">
+        <pc:chgData name="Moore, Jacob Preston" userId="fdd3fd0f-c483-48c9-988d-7deb216763fd" providerId="ADAL" clId="{1DEC9EA4-08C1-4B16-BA96-BA475B1550BC}" dt="2020-08-23T18:23:12.302" v="47"/>
+        <pc:sldMkLst>
+          <pc:docMk/>
+          <pc:sldMk cId="444073582" sldId="290"/>
         </pc:sldMkLst>
       </pc:sldChg>
       <pc:sldChg chg="del">
-        <pc:chgData name="Moore, Jacob Preston" userId="fdd3fd0f-c483-48c9-988d-7deb216763fd" providerId="ADAL" clId="{1DEC9EA4-08C1-4B16-BA96-BA475B1550BC}" dt="2020-08-23T19:28:53.263" v="13" actId="2696"/>
+        <pc:chgData name="Moore, Jacob Preston" userId="fdd3fd0f-c483-48c9-988d-7deb216763fd" providerId="ADAL" clId="{1DEC9EA4-08C1-4B16-BA96-BA475B1550BC}" dt="2020-08-23T18:23:10.341" v="40" actId="2696"/>
         <pc:sldMkLst>
           <pc:docMk/>
-          <pc:sldMk cId="2003935324" sldId="294"/>
+          <pc:sldMk cId="1878726931" sldId="290"/>
         </pc:sldMkLst>
       </pc:sldChg>
       <pc:sldChg chg="del">
-        <pc:chgData name="Moore, Jacob Preston" userId="fdd3fd0f-c483-48c9-988d-7deb216763fd" providerId="ADAL" clId="{1DEC9EA4-08C1-4B16-BA96-BA475B1550BC}" dt="2020-08-23T19:28:53.399" v="14" actId="2696"/>
+        <pc:chgData name="Moore, Jacob Preston" userId="fdd3fd0f-c483-48c9-988d-7deb216763fd" providerId="ADAL" clId="{1DEC9EA4-08C1-4B16-BA96-BA475B1550BC}" dt="2020-08-23T18:23:10.364" v="41" actId="2696"/>
         <pc:sldMkLst>
           <pc:docMk/>
-          <pc:sldMk cId="744401461" sldId="295"/>
+          <pc:sldMk cId="85784440" sldId="291"/>
         </pc:sldMkLst>
       </pc:sldChg>
-      <pc:sldChg chg="add modAnim">
-        <pc:chgData name="Moore, Jacob Preston" userId="fdd3fd0f-c483-48c9-988d-7deb216763fd" providerId="ADAL" clId="{1DEC9EA4-08C1-4B16-BA96-BA475B1550BC}" dt="2020-08-23T19:31:08.628" v="18"/>
+      <pc:sldChg chg="del">
+        <pc:chgData name="Moore, Jacob Preston" userId="fdd3fd0f-c483-48c9-988d-7deb216763fd" providerId="ADAL" clId="{1DEC9EA4-08C1-4B16-BA96-BA475B1550BC}" dt="2020-08-23T18:23:10.387" v="42" actId="2696"/>
         <pc:sldMkLst>
           <pc:docMk/>
-          <pc:sldMk cId="105349649" sldId="296"/>
+          <pc:sldMk cId="1065110183" sldId="292"/>
         </pc:sldMkLst>
       </pc:sldChg>
       <pc:sldChg chg="add">
-        <pc:chgData name="Moore, Jacob Preston" userId="fdd3fd0f-c483-48c9-988d-7deb216763fd" providerId="ADAL" clId="{1DEC9EA4-08C1-4B16-BA96-BA475B1550BC}" dt="2020-08-23T19:28:55.283" v="15"/>
+        <pc:chgData name="Moore, Jacob Preston" userId="fdd3fd0f-c483-48c9-988d-7deb216763fd" providerId="ADAL" clId="{1DEC9EA4-08C1-4B16-BA96-BA475B1550BC}" dt="2020-08-23T18:23:12.302" v="47"/>
         <pc:sldMkLst>
           <pc:docMk/>
-          <pc:sldMk cId="2727592371" sldId="297"/>
+          <pc:sldMk cId="1790905930" sldId="292"/>
         </pc:sldMkLst>
       </pc:sldChg>
-      <pc:sldChg chg="add">
-        <pc:chgData name="Moore, Jacob Preston" userId="fdd3fd0f-c483-48c9-988d-7deb216763fd" providerId="ADAL" clId="{1DEC9EA4-08C1-4B16-BA96-BA475B1550BC}" dt="2020-08-23T19:28:55.283" v="15"/>
+      <pc:sldChg chg="del">
+        <pc:chgData name="Moore, Jacob Preston" userId="fdd3fd0f-c483-48c9-988d-7deb216763fd" providerId="ADAL" clId="{1DEC9EA4-08C1-4B16-BA96-BA475B1550BC}" dt="2020-08-23T18:23:10.403" v="43" actId="2696"/>
         <pc:sldMkLst>
           <pc:docMk/>
-          <pc:sldMk cId="1451943401" sldId="298"/>
+          <pc:sldMk cId="4127202656" sldId="293"/>
         </pc:sldMkLst>
       </pc:sldChg>
-      <pc:sldChg chg="add">
-        <pc:chgData name="Moore, Jacob Preston" userId="fdd3fd0f-c483-48c9-988d-7deb216763fd" providerId="ADAL" clId="{1DEC9EA4-08C1-4B16-BA96-BA475B1550BC}" dt="2020-08-23T19:28:55.283" v="15"/>
+      <pc:sldChg chg="del">
+        <pc:chgData name="Moore, Jacob Preston" userId="fdd3fd0f-c483-48c9-988d-7deb216763fd" providerId="ADAL" clId="{1DEC9EA4-08C1-4B16-BA96-BA475B1550BC}" dt="2020-08-23T18:23:10.430" v="44" actId="2696"/>
         <pc:sldMkLst>
           <pc:docMk/>
-          <pc:sldMk cId="955717946" sldId="299"/>
+          <pc:sldMk cId="3956896579" sldId="294"/>
         </pc:sldMkLst>
+      </pc:sldChg>
+      <pc:sldChg chg="del">
+        <pc:chgData name="Moore, Jacob Preston" userId="fdd3fd0f-c483-48c9-988d-7deb216763fd" providerId="ADAL" clId="{1DEC9EA4-08C1-4B16-BA96-BA475B1550BC}" dt="2020-08-23T18:23:10.480" v="45" actId="2696"/>
+        <pc:sldMkLst>
+          <pc:docMk/>
+          <pc:sldMk cId="3462403737" sldId="295"/>
+        </pc:sldMkLst>
+      </pc:sldChg>
+      <pc:sldChg chg="del">
+        <pc:chgData name="Moore, Jacob Preston" userId="fdd3fd0f-c483-48c9-988d-7deb216763fd" providerId="ADAL" clId="{1DEC9EA4-08C1-4B16-BA96-BA475B1550BC}" dt="2020-08-23T18:23:10.585" v="46" actId="2696"/>
+        <pc:sldMkLst>
+          <pc:docMk/>
+          <pc:sldMk cId="3545132802" sldId="296"/>
+        </pc:sldMkLst>
+      </pc:sldChg>
+      <pc:sldChg chg="del">
+        <pc:chgData name="Moore, Jacob Preston" userId="fdd3fd0f-c483-48c9-988d-7deb216763fd" providerId="ADAL" clId="{1DEC9EA4-08C1-4B16-BA96-BA475B1550BC}" dt="2020-08-23T18:23:16.880" v="48" actId="2696"/>
+        <pc:sldMkLst>
+          <pc:docMk/>
+          <pc:sldMk cId="948972480" sldId="297"/>
+        </pc:sldMkLst>
+      </pc:sldChg>
+      <pc:sldChg chg="del">
+        <pc:chgData name="Moore, Jacob Preston" userId="fdd3fd0f-c483-48c9-988d-7deb216763fd" providerId="ADAL" clId="{1DEC9EA4-08C1-4B16-BA96-BA475B1550BC}" dt="2020-08-23T18:23:16.887" v="49" actId="2696"/>
+        <pc:sldMkLst>
+          <pc:docMk/>
+          <pc:sldMk cId="307900893" sldId="298"/>
+        </pc:sldMkLst>
+      </pc:sldChg>
+      <pc:sldChg chg="del">
+        <pc:chgData name="Moore, Jacob Preston" userId="fdd3fd0f-c483-48c9-988d-7deb216763fd" providerId="ADAL" clId="{1DEC9EA4-08C1-4B16-BA96-BA475B1550BC}" dt="2020-08-23T18:23:16.901" v="51" actId="2696"/>
+        <pc:sldMkLst>
+          <pc:docMk/>
+          <pc:sldMk cId="1492307721" sldId="299"/>
+        </pc:sldMkLst>
+      </pc:sldChg>
+      <pc:sldChg chg="del">
+        <pc:chgData name="Moore, Jacob Preston" userId="fdd3fd0f-c483-48c9-988d-7deb216763fd" providerId="ADAL" clId="{1DEC9EA4-08C1-4B16-BA96-BA475B1550BC}" dt="2020-08-23T18:23:16.895" v="50" actId="2696"/>
+        <pc:sldMkLst>
+          <pc:docMk/>
+          <pc:sldMk cId="3714287723" sldId="300"/>
+        </pc:sldMkLst>
+      </pc:sldChg>
+      <pc:sldChg chg="del">
+        <pc:chgData name="Moore, Jacob Preston" userId="fdd3fd0f-c483-48c9-988d-7deb216763fd" providerId="ADAL" clId="{1DEC9EA4-08C1-4B16-BA96-BA475B1550BC}" dt="2020-08-23T18:23:16.909" v="52" actId="2696"/>
+        <pc:sldMkLst>
+          <pc:docMk/>
+          <pc:sldMk cId="3819238583" sldId="301"/>
+        </pc:sldMkLst>
+      </pc:sldChg>
+      <pc:sldChg chg="del">
+        <pc:chgData name="Moore, Jacob Preston" userId="fdd3fd0f-c483-48c9-988d-7deb216763fd" providerId="ADAL" clId="{1DEC9EA4-08C1-4B16-BA96-BA475B1550BC}" dt="2020-08-23T18:23:10.204" v="38" actId="2696"/>
+        <pc:sldMkLst>
+          <pc:docMk/>
+          <pc:sldMk cId="3189583828" sldId="302"/>
+        </pc:sldMkLst>
+      </pc:sldChg>
+    </pc:docChg>
+  </pc:docChgLst>
+  <pc:docChgLst>
+    <pc:chgData name="Moore, Jacob Preston" userId="fdd3fd0f-c483-48c9-988d-7deb216763fd" providerId="ADAL" clId="{B19E1BD0-F712-4867-B478-84220143970B}"/>
+    <pc:docChg chg="custSel addSld modSld">
+      <pc:chgData name="Moore, Jacob Preston" userId="fdd3fd0f-c483-48c9-988d-7deb216763fd" providerId="ADAL" clId="{B19E1BD0-F712-4867-B478-84220143970B}" dt="2020-08-23T18:33:19.737" v="363"/>
+      <pc:docMkLst>
+        <pc:docMk/>
+      </pc:docMkLst>
+      <pc:sldChg chg="modSp">
+        <pc:chgData name="Moore, Jacob Preston" userId="fdd3fd0f-c483-48c9-988d-7deb216763fd" providerId="ADAL" clId="{B19E1BD0-F712-4867-B478-84220143970B}" dt="2020-08-23T18:29:46.149" v="135" actId="27636"/>
+        <pc:sldMkLst>
+          <pc:docMk/>
+          <pc:sldMk cId="1790905930" sldId="292"/>
+        </pc:sldMkLst>
+        <pc:spChg chg="mod">
+          <ac:chgData name="Moore, Jacob Preston" userId="fdd3fd0f-c483-48c9-988d-7deb216763fd" providerId="ADAL" clId="{B19E1BD0-F712-4867-B478-84220143970B}" dt="2020-08-23T18:29:46.149" v="135" actId="27636"/>
+          <ac:spMkLst>
+            <pc:docMk/>
+            <pc:sldMk cId="1790905930" sldId="292"/>
+            <ac:spMk id="3" creationId="{00000000-0000-0000-0000-000000000000}"/>
+          </ac:spMkLst>
+        </pc:spChg>
+        <pc:picChg chg="mod">
+          <ac:chgData name="Moore, Jacob Preston" userId="fdd3fd0f-c483-48c9-988d-7deb216763fd" providerId="ADAL" clId="{B19E1BD0-F712-4867-B478-84220143970B}" dt="2020-08-23T18:29:43.797" v="133" actId="1076"/>
+          <ac:picMkLst>
+            <pc:docMk/>
+            <pc:sldMk cId="1790905930" sldId="292"/>
+            <ac:picMk id="5" creationId="{00000000-0000-0000-0000-000000000000}"/>
+          </ac:picMkLst>
+        </pc:picChg>
+      </pc:sldChg>
+      <pc:sldChg chg="addSp modSp add modAnim">
+        <pc:chgData name="Moore, Jacob Preston" userId="fdd3fd0f-c483-48c9-988d-7deb216763fd" providerId="ADAL" clId="{B19E1BD0-F712-4867-B478-84220143970B}" dt="2020-08-23T18:33:19.737" v="363"/>
+        <pc:sldMkLst>
+          <pc:docMk/>
+          <pc:sldMk cId="1673826892" sldId="293"/>
+        </pc:sldMkLst>
+        <pc:spChg chg="mod">
+          <ac:chgData name="Moore, Jacob Preston" userId="fdd3fd0f-c483-48c9-988d-7deb216763fd" providerId="ADAL" clId="{B19E1BD0-F712-4867-B478-84220143970B}" dt="2020-08-23T18:28:10.118" v="36" actId="20577"/>
+          <ac:spMkLst>
+            <pc:docMk/>
+            <pc:sldMk cId="1673826892" sldId="293"/>
+            <ac:spMk id="2" creationId="{0B79660A-5AA3-4CBA-9708-885D2E381EDC}"/>
+          </ac:spMkLst>
+        </pc:spChg>
+        <pc:spChg chg="mod">
+          <ac:chgData name="Moore, Jacob Preston" userId="fdd3fd0f-c483-48c9-988d-7deb216763fd" providerId="ADAL" clId="{B19E1BD0-F712-4867-B478-84220143970B}" dt="2020-08-23T18:32:57.102" v="359" actId="113"/>
+          <ac:spMkLst>
+            <pc:docMk/>
+            <pc:sldMk cId="1673826892" sldId="293"/>
+            <ac:spMk id="3" creationId="{7493D6F3-70FE-4808-9D14-9BEB02C1461D}"/>
+          </ac:spMkLst>
+        </pc:spChg>
+        <pc:picChg chg="add mod">
+          <ac:chgData name="Moore, Jacob Preston" userId="fdd3fd0f-c483-48c9-988d-7deb216763fd" providerId="ADAL" clId="{B19E1BD0-F712-4867-B478-84220143970B}" dt="2020-08-23T18:33:09.149" v="361" actId="1076"/>
+          <ac:picMkLst>
+            <pc:docMk/>
+            <pc:sldMk cId="1673826892" sldId="293"/>
+            <ac:picMk id="1026" creationId="{5C8C8E4C-C20F-4D3A-ACE6-42AB8B89E56A}"/>
+          </ac:picMkLst>
+        </pc:picChg>
       </pc:sldChg>
     </pc:docChg>
   </pc:docChgLst>
@@ -321,7 +461,7 @@
           <a:p>
             <a:fld id="{1AA1AB63-216F-4D5B-8811-CCB935E98D4A}" type="datetimeFigureOut">
               <a:rPr lang="en-US" smtClean="0"/>
-              <a:t>12/17/2020</a:t>
+              <a:t>8/23/2020</a:t>
             </a:fld>
             <a:endParaRPr lang="en-US"/>
           </a:p>
@@ -3771,7 +3911,7 @@
           <a:p>
             <a:r>
               <a:rPr lang="en-US" dirty="0"/>
-              <a:t>Newton’s Third Law of Motion</a:t>
+              <a:t>Newton’s First Law of Motion</a:t>
             </a:r>
           </a:p>
         </p:txBody>
@@ -3859,7 +3999,7 @@
           <a:p>
             <a:r>
               <a:rPr lang="en-US" dirty="0"/>
-              <a:t>Newton’s Third Law</a:t>
+              <a:t>Newton’s First Law</a:t>
             </a:r>
           </a:p>
         </p:txBody>
@@ -3881,7 +4021,7 @@
           <a:p>
             <a:r>
               <a:rPr lang="en-US" dirty="0"/>
-              <a:t>Newton’s Third Law states that...</a:t>
+              <a:t>Newton’s First Law states that...</a:t>
             </a:r>
           </a:p>
           <a:p>
@@ -3893,19 +4033,7 @@
             </a:pPr>
             <a:r>
               <a:rPr lang="en-US" b="1" dirty="0"/>
-              <a:t>“For every action there is an equal and opposite reaction.”</a:t>
-            </a:r>
-          </a:p>
-          <a:p>
-            <a:pPr marL="0" indent="0">
-              <a:buNone/>
-            </a:pPr>
-            <a:endParaRPr lang="en-US" b="1" dirty="0"/>
-          </a:p>
-          <a:p>
-            <a:r>
-              <a:rPr lang="en-US" dirty="0"/>
-              <a:t>Though the term “action” is applied to many things with this law, Newton originally meant a force when he said “action”.</a:t>
+              <a:t>“A body at rest will remain at rest unless acted on by an unbalanced force. A body in motion continues in motion with the same speed and in the same direction unless acted upon by an unbalanced force”</a:t>
             </a:r>
           </a:p>
         </p:txBody>
@@ -3937,6 +4065,1768 @@
     <p:extLst>
       <p:ext uri="{BB962C8B-B14F-4D97-AF65-F5344CB8AC3E}">
         <p14:creationId xmlns:p14="http://schemas.microsoft.com/office/powerpoint/2010/main" val="3642683568"/>
+      </p:ext>
+    </p:extLst>
+  </p:cSld>
+  <p:clrMapOvr>
+    <a:masterClrMapping/>
+  </p:clrMapOvr>
+  <p:timing>
+    <p:tnLst>
+      <p:par>
+        <p:cTn id="1" dur="indefinite" restart="never" nodeType="tmRoot">
+          <p:childTnLst>
+            <p:seq concurrent="1" nextAc="seek">
+              <p:cTn id="2" dur="indefinite" nodeType="mainSeq">
+                <p:childTnLst>
+                  <p:par>
+                    <p:cTn id="3" fill="hold">
+                      <p:stCondLst>
+                        <p:cond delay="indefinite"/>
+                      </p:stCondLst>
+                      <p:childTnLst>
+                        <p:par>
+                          <p:cTn id="4" fill="hold">
+                            <p:stCondLst>
+                              <p:cond delay="0"/>
+                            </p:stCondLst>
+                            <p:childTnLst>
+                              <p:par>
+                                <p:cTn id="5" presetID="10" presetClass="entr" presetSubtype="0" fill="hold" nodeType="clickEffect">
+                                  <p:stCondLst>
+                                    <p:cond delay="0"/>
+                                  </p:stCondLst>
+                                  <p:childTnLst>
+                                    <p:set>
+                                      <p:cBhvr>
+                                        <p:cTn id="6" dur="1" fill="hold">
+                                          <p:stCondLst>
+                                            <p:cond delay="0"/>
+                                          </p:stCondLst>
+                                        </p:cTn>
+                                        <p:tgtEl>
+                                          <p:spTgt spid="3">
+                                            <p:txEl>
+                                              <p:pRg st="2" end="2"/>
+                                            </p:txEl>
+                                          </p:spTgt>
+                                        </p:tgtEl>
+                                        <p:attrNameLst>
+                                          <p:attrName>style.visibility</p:attrName>
+                                        </p:attrNameLst>
+                                      </p:cBhvr>
+                                      <p:to>
+                                        <p:strVal val="visible"/>
+                                      </p:to>
+                                    </p:set>
+                                    <p:animEffect transition="in" filter="fade">
+                                      <p:cBhvr>
+                                        <p:cTn id="7" dur="500"/>
+                                        <p:tgtEl>
+                                          <p:spTgt spid="3">
+                                            <p:txEl>
+                                              <p:pRg st="2" end="2"/>
+                                            </p:txEl>
+                                          </p:spTgt>
+                                        </p:tgtEl>
+                                      </p:cBhvr>
+                                    </p:animEffect>
+                                  </p:childTnLst>
+                                </p:cTn>
+                              </p:par>
+                            </p:childTnLst>
+                          </p:cTn>
+                        </p:par>
+                      </p:childTnLst>
+                    </p:cTn>
+                  </p:par>
+                </p:childTnLst>
+              </p:cTn>
+              <p:prevCondLst>
+                <p:cond evt="onPrev" delay="0">
+                  <p:tgtEl>
+                    <p:sldTgt/>
+                  </p:tgtEl>
+                </p:cond>
+              </p:prevCondLst>
+              <p:nextCondLst>
+                <p:cond evt="onNext" delay="0">
+                  <p:tgtEl>
+                    <p:sldTgt/>
+                  </p:tgtEl>
+                </p:cond>
+              </p:nextCondLst>
+            </p:seq>
+          </p:childTnLst>
+        </p:cTn>
+      </p:par>
+    </p:tnLst>
+  </p:timing>
+</p:sld>
+</file>
+
+<file path=ppt/slides/slide3.xml><?xml version="1.0" encoding="utf-8"?>
+<p:sld xmlns:a="http://schemas.openxmlformats.org/drawingml/2006/main" xmlns:r="http://schemas.openxmlformats.org/officeDocument/2006/relationships" xmlns:p="http://schemas.openxmlformats.org/presentationml/2006/main">
+  <p:cSld>
+    <p:spTree>
+      <p:nvGrpSpPr>
+        <p:cNvPr id="1" name=""/>
+        <p:cNvGrpSpPr/>
+        <p:nvPr/>
+      </p:nvGrpSpPr>
+      <p:grpSpPr>
+        <a:xfrm>
+          <a:off x="0" y="0"/>
+          <a:ext cx="0" cy="0"/>
+          <a:chOff x="0" y="0"/>
+          <a:chExt cx="0" cy="0"/>
+        </a:xfrm>
+      </p:grpSpPr>
+      <p:sp>
+        <p:nvSpPr>
+          <p:cNvPr id="2" name="Title 1"/>
+          <p:cNvSpPr>
+            <a:spLocks noGrp="1"/>
+          </p:cNvSpPr>
+          <p:nvPr>
+            <p:ph type="title"/>
+          </p:nvPr>
+        </p:nvSpPr>
+        <p:spPr/>
+        <p:txBody>
+          <a:bodyPr/>
+          <a:lstStyle/>
+          <a:p>
+            <a:r>
+              <a:rPr lang="en-US" dirty="0"/>
+              <a:t>Pre-Newton’s First Law</a:t>
+            </a:r>
+          </a:p>
+        </p:txBody>
+      </p:sp>
+      <p:sp>
+        <p:nvSpPr>
+          <p:cNvPr id="3" name="Content Placeholder 2"/>
+          <p:cNvSpPr>
+            <a:spLocks noGrp="1"/>
+          </p:cNvSpPr>
+          <p:nvPr>
+            <p:ph idx="1"/>
+          </p:nvPr>
+        </p:nvSpPr>
+        <p:spPr/>
+        <p:txBody>
+          <a:bodyPr/>
+          <a:lstStyle/>
+          <a:p>
+            <a:r>
+              <a:rPr lang="en-US" dirty="0"/>
+              <a:t>Prior to Newton, a popular theory of motion was the Aristotelian theory of motion.</a:t>
+            </a:r>
+          </a:p>
+          <a:p>
+            <a:endParaRPr lang="en-US" dirty="0"/>
+          </a:p>
+          <a:p>
+            <a:r>
+              <a:rPr lang="en-US" dirty="0"/>
+              <a:t>In this theory...</a:t>
+            </a:r>
+          </a:p>
+          <a:p>
+            <a:pPr lvl="1"/>
+            <a:r>
+              <a:rPr lang="en-US" dirty="0"/>
+              <a:t>Bodies were naturally at rest, and moving bodies will eventually return to rest if left undisturbed.</a:t>
+            </a:r>
+          </a:p>
+          <a:p>
+            <a:pPr lvl="1"/>
+            <a:r>
+              <a:rPr lang="en-US" dirty="0"/>
+              <a:t>Continued motion requires the continued action of a force.</a:t>
+            </a:r>
+          </a:p>
+        </p:txBody>
+      </p:sp>
+      <p:sp>
+        <p:nvSpPr>
+          <p:cNvPr id="4" name="Slide Number Placeholder 3"/>
+          <p:cNvSpPr>
+            <a:spLocks noGrp="1"/>
+          </p:cNvSpPr>
+          <p:nvPr>
+            <p:ph type="sldNum" sz="quarter" idx="12"/>
+          </p:nvPr>
+        </p:nvSpPr>
+        <p:spPr/>
+        <p:txBody>
+          <a:bodyPr/>
+          <a:lstStyle/>
+          <a:p>
+            <a:fld id="{929262FE-7F58-4A1E-8AF3-5A510A86DEBD}" type="slidenum">
+              <a:rPr lang="en-US" smtClean="0"/>
+              <a:t>3</a:t>
+            </a:fld>
+            <a:endParaRPr lang="en-US"/>
+          </a:p>
+        </p:txBody>
+      </p:sp>
+    </p:spTree>
+    <p:extLst>
+      <p:ext uri="{BB962C8B-B14F-4D97-AF65-F5344CB8AC3E}">
+        <p14:creationId xmlns:p14="http://schemas.microsoft.com/office/powerpoint/2010/main" val="2525870602"/>
+      </p:ext>
+    </p:extLst>
+  </p:cSld>
+  <p:clrMapOvr>
+    <a:masterClrMapping/>
+  </p:clrMapOvr>
+  <p:timing>
+    <p:tnLst>
+      <p:par>
+        <p:cTn id="1" dur="indefinite" restart="never" nodeType="tmRoot">
+          <p:childTnLst>
+            <p:seq concurrent="1" nextAc="seek">
+              <p:cTn id="2" dur="indefinite" nodeType="mainSeq">
+                <p:childTnLst>
+                  <p:par>
+                    <p:cTn id="3" fill="hold">
+                      <p:stCondLst>
+                        <p:cond delay="indefinite"/>
+                      </p:stCondLst>
+                      <p:childTnLst>
+                        <p:par>
+                          <p:cTn id="4" fill="hold">
+                            <p:stCondLst>
+                              <p:cond delay="0"/>
+                            </p:stCondLst>
+                            <p:childTnLst>
+                              <p:par>
+                                <p:cTn id="5" presetID="10" presetClass="entr" presetSubtype="0" fill="hold" nodeType="clickEffect">
+                                  <p:stCondLst>
+                                    <p:cond delay="0"/>
+                                  </p:stCondLst>
+                                  <p:childTnLst>
+                                    <p:set>
+                                      <p:cBhvr>
+                                        <p:cTn id="6" dur="1" fill="hold">
+                                          <p:stCondLst>
+                                            <p:cond delay="0"/>
+                                          </p:stCondLst>
+                                        </p:cTn>
+                                        <p:tgtEl>
+                                          <p:spTgt spid="3">
+                                            <p:txEl>
+                                              <p:pRg st="0" end="0"/>
+                                            </p:txEl>
+                                          </p:spTgt>
+                                        </p:tgtEl>
+                                        <p:attrNameLst>
+                                          <p:attrName>style.visibility</p:attrName>
+                                        </p:attrNameLst>
+                                      </p:cBhvr>
+                                      <p:to>
+                                        <p:strVal val="visible"/>
+                                      </p:to>
+                                    </p:set>
+                                    <p:animEffect transition="in" filter="fade">
+                                      <p:cBhvr>
+                                        <p:cTn id="7" dur="500"/>
+                                        <p:tgtEl>
+                                          <p:spTgt spid="3">
+                                            <p:txEl>
+                                              <p:pRg st="0" end="0"/>
+                                            </p:txEl>
+                                          </p:spTgt>
+                                        </p:tgtEl>
+                                      </p:cBhvr>
+                                    </p:animEffect>
+                                  </p:childTnLst>
+                                </p:cTn>
+                              </p:par>
+                            </p:childTnLst>
+                          </p:cTn>
+                        </p:par>
+                      </p:childTnLst>
+                    </p:cTn>
+                  </p:par>
+                  <p:par>
+                    <p:cTn id="8" fill="hold">
+                      <p:stCondLst>
+                        <p:cond delay="indefinite"/>
+                      </p:stCondLst>
+                      <p:childTnLst>
+                        <p:par>
+                          <p:cTn id="9" fill="hold">
+                            <p:stCondLst>
+                              <p:cond delay="0"/>
+                            </p:stCondLst>
+                            <p:childTnLst>
+                              <p:par>
+                                <p:cTn id="10" presetID="10" presetClass="entr" presetSubtype="0" fill="hold" nodeType="clickEffect">
+                                  <p:stCondLst>
+                                    <p:cond delay="0"/>
+                                  </p:stCondLst>
+                                  <p:childTnLst>
+                                    <p:set>
+                                      <p:cBhvr>
+                                        <p:cTn id="11" dur="1" fill="hold">
+                                          <p:stCondLst>
+                                            <p:cond delay="0"/>
+                                          </p:stCondLst>
+                                        </p:cTn>
+                                        <p:tgtEl>
+                                          <p:spTgt spid="3">
+                                            <p:txEl>
+                                              <p:pRg st="2" end="2"/>
+                                            </p:txEl>
+                                          </p:spTgt>
+                                        </p:tgtEl>
+                                        <p:attrNameLst>
+                                          <p:attrName>style.visibility</p:attrName>
+                                        </p:attrNameLst>
+                                      </p:cBhvr>
+                                      <p:to>
+                                        <p:strVal val="visible"/>
+                                      </p:to>
+                                    </p:set>
+                                    <p:animEffect transition="in" filter="fade">
+                                      <p:cBhvr>
+                                        <p:cTn id="12" dur="500"/>
+                                        <p:tgtEl>
+                                          <p:spTgt spid="3">
+                                            <p:txEl>
+                                              <p:pRg st="2" end="2"/>
+                                            </p:txEl>
+                                          </p:spTgt>
+                                        </p:tgtEl>
+                                      </p:cBhvr>
+                                    </p:animEffect>
+                                  </p:childTnLst>
+                                </p:cTn>
+                              </p:par>
+                            </p:childTnLst>
+                          </p:cTn>
+                        </p:par>
+                      </p:childTnLst>
+                    </p:cTn>
+                  </p:par>
+                  <p:par>
+                    <p:cTn id="13" fill="hold">
+                      <p:stCondLst>
+                        <p:cond delay="indefinite"/>
+                      </p:stCondLst>
+                      <p:childTnLst>
+                        <p:par>
+                          <p:cTn id="14" fill="hold">
+                            <p:stCondLst>
+                              <p:cond delay="0"/>
+                            </p:stCondLst>
+                            <p:childTnLst>
+                              <p:par>
+                                <p:cTn id="15" presetID="10" presetClass="entr" presetSubtype="0" fill="hold" nodeType="clickEffect">
+                                  <p:stCondLst>
+                                    <p:cond delay="0"/>
+                                  </p:stCondLst>
+                                  <p:childTnLst>
+                                    <p:set>
+                                      <p:cBhvr>
+                                        <p:cTn id="16" dur="1" fill="hold">
+                                          <p:stCondLst>
+                                            <p:cond delay="0"/>
+                                          </p:stCondLst>
+                                        </p:cTn>
+                                        <p:tgtEl>
+                                          <p:spTgt spid="3">
+                                            <p:txEl>
+                                              <p:pRg st="3" end="3"/>
+                                            </p:txEl>
+                                          </p:spTgt>
+                                        </p:tgtEl>
+                                        <p:attrNameLst>
+                                          <p:attrName>style.visibility</p:attrName>
+                                        </p:attrNameLst>
+                                      </p:cBhvr>
+                                      <p:to>
+                                        <p:strVal val="visible"/>
+                                      </p:to>
+                                    </p:set>
+                                    <p:animEffect transition="in" filter="fade">
+                                      <p:cBhvr>
+                                        <p:cTn id="17" dur="500"/>
+                                        <p:tgtEl>
+                                          <p:spTgt spid="3">
+                                            <p:txEl>
+                                              <p:pRg st="3" end="3"/>
+                                            </p:txEl>
+                                          </p:spTgt>
+                                        </p:tgtEl>
+                                      </p:cBhvr>
+                                    </p:animEffect>
+                                  </p:childTnLst>
+                                </p:cTn>
+                              </p:par>
+                            </p:childTnLst>
+                          </p:cTn>
+                        </p:par>
+                      </p:childTnLst>
+                    </p:cTn>
+                  </p:par>
+                  <p:par>
+                    <p:cTn id="18" fill="hold">
+                      <p:stCondLst>
+                        <p:cond delay="indefinite"/>
+                      </p:stCondLst>
+                      <p:childTnLst>
+                        <p:par>
+                          <p:cTn id="19" fill="hold">
+                            <p:stCondLst>
+                              <p:cond delay="0"/>
+                            </p:stCondLst>
+                            <p:childTnLst>
+                              <p:par>
+                                <p:cTn id="20" presetID="10" presetClass="entr" presetSubtype="0" fill="hold" nodeType="clickEffect">
+                                  <p:stCondLst>
+                                    <p:cond delay="0"/>
+                                  </p:stCondLst>
+                                  <p:childTnLst>
+                                    <p:set>
+                                      <p:cBhvr>
+                                        <p:cTn id="21" dur="1" fill="hold">
+                                          <p:stCondLst>
+                                            <p:cond delay="0"/>
+                                          </p:stCondLst>
+                                        </p:cTn>
+                                        <p:tgtEl>
+                                          <p:spTgt spid="3">
+                                            <p:txEl>
+                                              <p:pRg st="4" end="4"/>
+                                            </p:txEl>
+                                          </p:spTgt>
+                                        </p:tgtEl>
+                                        <p:attrNameLst>
+                                          <p:attrName>style.visibility</p:attrName>
+                                        </p:attrNameLst>
+                                      </p:cBhvr>
+                                      <p:to>
+                                        <p:strVal val="visible"/>
+                                      </p:to>
+                                    </p:set>
+                                    <p:animEffect transition="in" filter="fade">
+                                      <p:cBhvr>
+                                        <p:cTn id="22" dur="500"/>
+                                        <p:tgtEl>
+                                          <p:spTgt spid="3">
+                                            <p:txEl>
+                                              <p:pRg st="4" end="4"/>
+                                            </p:txEl>
+                                          </p:spTgt>
+                                        </p:tgtEl>
+                                      </p:cBhvr>
+                                    </p:animEffect>
+                                  </p:childTnLst>
+                                </p:cTn>
+                              </p:par>
+                            </p:childTnLst>
+                          </p:cTn>
+                        </p:par>
+                      </p:childTnLst>
+                    </p:cTn>
+                  </p:par>
+                </p:childTnLst>
+              </p:cTn>
+              <p:prevCondLst>
+                <p:cond evt="onPrev" delay="0">
+                  <p:tgtEl>
+                    <p:sldTgt/>
+                  </p:tgtEl>
+                </p:cond>
+              </p:prevCondLst>
+              <p:nextCondLst>
+                <p:cond evt="onNext" delay="0">
+                  <p:tgtEl>
+                    <p:sldTgt/>
+                  </p:tgtEl>
+                </p:cond>
+              </p:nextCondLst>
+            </p:seq>
+          </p:childTnLst>
+        </p:cTn>
+      </p:par>
+    </p:tnLst>
+  </p:timing>
+</p:sld>
+</file>
+
+<file path=ppt/slides/slide4.xml><?xml version="1.0" encoding="utf-8"?>
+<p:sld xmlns:a="http://schemas.openxmlformats.org/drawingml/2006/main" xmlns:r="http://schemas.openxmlformats.org/officeDocument/2006/relationships" xmlns:p="http://schemas.openxmlformats.org/presentationml/2006/main">
+  <p:cSld>
+    <p:spTree>
+      <p:nvGrpSpPr>
+        <p:cNvPr id="1" name=""/>
+        <p:cNvGrpSpPr/>
+        <p:nvPr/>
+      </p:nvGrpSpPr>
+      <p:grpSpPr>
+        <a:xfrm>
+          <a:off x="0" y="0"/>
+          <a:ext cx="0" cy="0"/>
+          <a:chOff x="0" y="0"/>
+          <a:chExt cx="0" cy="0"/>
+        </a:xfrm>
+      </p:grpSpPr>
+      <p:sp>
+        <p:nvSpPr>
+          <p:cNvPr id="2" name="Title 1"/>
+          <p:cNvSpPr>
+            <a:spLocks noGrp="1"/>
+          </p:cNvSpPr>
+          <p:nvPr>
+            <p:ph type="title"/>
+          </p:nvPr>
+        </p:nvSpPr>
+        <p:spPr/>
+        <p:txBody>
+          <a:bodyPr/>
+          <a:lstStyle/>
+          <a:p>
+            <a:r>
+              <a:rPr lang="en-US" dirty="0"/>
+              <a:t>Newton’s First Law</a:t>
+            </a:r>
+          </a:p>
+        </p:txBody>
+      </p:sp>
+      <p:sp>
+        <p:nvSpPr>
+          <p:cNvPr id="3" name="Content Placeholder 2"/>
+          <p:cNvSpPr>
+            <a:spLocks noGrp="1"/>
+          </p:cNvSpPr>
+          <p:nvPr>
+            <p:ph idx="1"/>
+          </p:nvPr>
+        </p:nvSpPr>
+        <p:spPr>
+          <a:xfrm>
+            <a:off x="457200" y="1600200"/>
+            <a:ext cx="5715000" cy="4525963"/>
+          </a:xfrm>
+        </p:spPr>
+        <p:txBody>
+          <a:bodyPr>
+            <a:normAutofit fontScale="85000" lnSpcReduction="10000"/>
+          </a:bodyPr>
+          <a:lstStyle/>
+          <a:p>
+            <a:r>
+              <a:rPr lang="en-US" dirty="0"/>
+              <a:t>Theories agree in that bodies at rest tend to stay at rest unless acted on by a force.</a:t>
+            </a:r>
+          </a:p>
+          <a:p>
+            <a:r>
+              <a:rPr lang="en-US" dirty="0"/>
+              <a:t>Theories differ in what happens to bodies in motion.</a:t>
+            </a:r>
+          </a:p>
+          <a:p>
+            <a:pPr lvl="1"/>
+            <a:r>
+              <a:rPr lang="en-US" dirty="0"/>
+              <a:t>Either stay in motion (Newton) ...</a:t>
+            </a:r>
+          </a:p>
+          <a:p>
+            <a:pPr lvl="1"/>
+            <a:r>
+              <a:rPr lang="en-US" dirty="0"/>
+              <a:t>or eventually come to rest (Aristotle)</a:t>
+            </a:r>
+          </a:p>
+          <a:p>
+            <a:r>
+              <a:rPr lang="en-US" dirty="0"/>
+              <a:t>Friction is the key to this difference, friction is a force always working to bring objects back to a rest.</a:t>
+            </a:r>
+          </a:p>
+        </p:txBody>
+      </p:sp>
+      <p:sp>
+        <p:nvSpPr>
+          <p:cNvPr id="4" name="Slide Number Placeholder 3"/>
+          <p:cNvSpPr>
+            <a:spLocks noGrp="1"/>
+          </p:cNvSpPr>
+          <p:nvPr>
+            <p:ph type="sldNum" sz="quarter" idx="12"/>
+          </p:nvPr>
+        </p:nvSpPr>
+        <p:spPr/>
+        <p:txBody>
+          <a:bodyPr/>
+          <a:lstStyle/>
+          <a:p>
+            <a:fld id="{929262FE-7F58-4A1E-8AF3-5A510A86DEBD}" type="slidenum">
+              <a:rPr lang="en-US" smtClean="0"/>
+              <a:t>4</a:t>
+            </a:fld>
+            <a:endParaRPr lang="en-US"/>
+          </a:p>
+        </p:txBody>
+      </p:sp>
+      <p:pic>
+        <p:nvPicPr>
+          <p:cNvPr id="5" name="Picture 4" descr="Space Capsule By NASA [Public Domain]"/>
+          <p:cNvPicPr>
+            <a:picLocks noChangeAspect="1" noChangeArrowheads="1"/>
+          </p:cNvPicPr>
+          <p:nvPr/>
+        </p:nvPicPr>
+        <p:blipFill>
+          <a:blip r:embed="rId2">
+            <a:extLst>
+              <a:ext uri="{28A0092B-C50C-407E-A947-70E740481C1C}">
+                <a14:useLocalDpi xmlns:a14="http://schemas.microsoft.com/office/drawing/2010/main" val="0"/>
+              </a:ext>
+            </a:extLst>
+          </a:blip>
+          <a:srcRect/>
+          <a:stretch>
+            <a:fillRect/>
+          </a:stretch>
+        </p:blipFill>
+        <p:spPr bwMode="auto">
+          <a:xfrm>
+            <a:off x="6362698" y="4038600"/>
+            <a:ext cx="2381249" cy="1905000"/>
+          </a:xfrm>
+          <a:prstGeom prst="rect">
+            <a:avLst/>
+          </a:prstGeom>
+          <a:noFill/>
+          <a:extLst>
+            <a:ext uri="{909E8E84-426E-40DD-AFC4-6F175D3DCCD1}">
+              <a14:hiddenFill xmlns:a14="http://schemas.microsoft.com/office/drawing/2010/main">
+                <a:solidFill>
+                  <a:srgbClr val="FFFFFF"/>
+                </a:solidFill>
+              </a14:hiddenFill>
+            </a:ext>
+          </a:extLst>
+        </p:spPr>
+      </p:pic>
+      <p:pic>
+        <p:nvPicPr>
+          <p:cNvPr id="6" name="Picture 2" descr="A Rock in a Field By Liz Gray [CC-BY-SA-2.0 (http://creativecommons.org/licenses/by-sa/2.0)], via Wikimedia Commons"/>
+          <p:cNvPicPr>
+            <a:picLocks noChangeAspect="1" noChangeArrowheads="1"/>
+          </p:cNvPicPr>
+          <p:nvPr/>
+        </p:nvPicPr>
+        <p:blipFill rotWithShape="1">
+          <a:blip r:embed="rId3">
+            <a:extLst>
+              <a:ext uri="{28A0092B-C50C-407E-A947-70E740481C1C}">
+                <a14:useLocalDpi xmlns:a14="http://schemas.microsoft.com/office/drawing/2010/main" val="0"/>
+              </a:ext>
+            </a:extLst>
+          </a:blip>
+          <a:srcRect l="44506"/>
+          <a:stretch/>
+        </p:blipFill>
+        <p:spPr bwMode="auto">
+          <a:xfrm>
+            <a:off x="6549116" y="1248061"/>
+            <a:ext cx="2008412" cy="2714339"/>
+          </a:xfrm>
+          <a:prstGeom prst="rect">
+            <a:avLst/>
+          </a:prstGeom>
+          <a:noFill/>
+          <a:extLst>
+            <a:ext uri="{909E8E84-426E-40DD-AFC4-6F175D3DCCD1}">
+              <a14:hiddenFill xmlns:a14="http://schemas.microsoft.com/office/drawing/2010/main">
+                <a:solidFill>
+                  <a:srgbClr val="FFFFFF"/>
+                </a:solidFill>
+              </a14:hiddenFill>
+            </a:ext>
+          </a:extLst>
+        </p:spPr>
+      </p:pic>
+    </p:spTree>
+    <p:extLst>
+      <p:ext uri="{BB962C8B-B14F-4D97-AF65-F5344CB8AC3E}">
+        <p14:creationId xmlns:p14="http://schemas.microsoft.com/office/powerpoint/2010/main" val="444073582"/>
+      </p:ext>
+    </p:extLst>
+  </p:cSld>
+  <p:clrMapOvr>
+    <a:masterClrMapping/>
+  </p:clrMapOvr>
+  <p:timing>
+    <p:tnLst>
+      <p:par>
+        <p:cTn id="1" dur="indefinite" restart="never" nodeType="tmRoot">
+          <p:childTnLst>
+            <p:seq concurrent="1" nextAc="seek">
+              <p:cTn id="2" dur="indefinite" nodeType="mainSeq">
+                <p:childTnLst>
+                  <p:par>
+                    <p:cTn id="3" fill="hold">
+                      <p:stCondLst>
+                        <p:cond delay="indefinite"/>
+                      </p:stCondLst>
+                      <p:childTnLst>
+                        <p:par>
+                          <p:cTn id="4" fill="hold">
+                            <p:stCondLst>
+                              <p:cond delay="0"/>
+                            </p:stCondLst>
+                            <p:childTnLst>
+                              <p:par>
+                                <p:cTn id="5" presetID="10" presetClass="entr" presetSubtype="0" fill="hold" nodeType="clickEffect">
+                                  <p:stCondLst>
+                                    <p:cond delay="0"/>
+                                  </p:stCondLst>
+                                  <p:childTnLst>
+                                    <p:set>
+                                      <p:cBhvr>
+                                        <p:cTn id="6" dur="1" fill="hold">
+                                          <p:stCondLst>
+                                            <p:cond delay="0"/>
+                                          </p:stCondLst>
+                                        </p:cTn>
+                                        <p:tgtEl>
+                                          <p:spTgt spid="3">
+                                            <p:txEl>
+                                              <p:pRg st="0" end="0"/>
+                                            </p:txEl>
+                                          </p:spTgt>
+                                        </p:tgtEl>
+                                        <p:attrNameLst>
+                                          <p:attrName>style.visibility</p:attrName>
+                                        </p:attrNameLst>
+                                      </p:cBhvr>
+                                      <p:to>
+                                        <p:strVal val="visible"/>
+                                      </p:to>
+                                    </p:set>
+                                    <p:animEffect transition="in" filter="fade">
+                                      <p:cBhvr>
+                                        <p:cTn id="7" dur="500"/>
+                                        <p:tgtEl>
+                                          <p:spTgt spid="3">
+                                            <p:txEl>
+                                              <p:pRg st="0" end="0"/>
+                                            </p:txEl>
+                                          </p:spTgt>
+                                        </p:tgtEl>
+                                      </p:cBhvr>
+                                    </p:animEffect>
+                                  </p:childTnLst>
+                                </p:cTn>
+                              </p:par>
+                            </p:childTnLst>
+                          </p:cTn>
+                        </p:par>
+                      </p:childTnLst>
+                    </p:cTn>
+                  </p:par>
+                  <p:par>
+                    <p:cTn id="8" fill="hold">
+                      <p:stCondLst>
+                        <p:cond delay="indefinite"/>
+                      </p:stCondLst>
+                      <p:childTnLst>
+                        <p:par>
+                          <p:cTn id="9" fill="hold">
+                            <p:stCondLst>
+                              <p:cond delay="0"/>
+                            </p:stCondLst>
+                            <p:childTnLst>
+                              <p:par>
+                                <p:cTn id="10" presetID="10" presetClass="entr" presetSubtype="0" fill="hold" nodeType="clickEffect">
+                                  <p:stCondLst>
+                                    <p:cond delay="0"/>
+                                  </p:stCondLst>
+                                  <p:childTnLst>
+                                    <p:set>
+                                      <p:cBhvr>
+                                        <p:cTn id="11" dur="1" fill="hold">
+                                          <p:stCondLst>
+                                            <p:cond delay="0"/>
+                                          </p:stCondLst>
+                                        </p:cTn>
+                                        <p:tgtEl>
+                                          <p:spTgt spid="6"/>
+                                        </p:tgtEl>
+                                        <p:attrNameLst>
+                                          <p:attrName>style.visibility</p:attrName>
+                                        </p:attrNameLst>
+                                      </p:cBhvr>
+                                      <p:to>
+                                        <p:strVal val="visible"/>
+                                      </p:to>
+                                    </p:set>
+                                    <p:animEffect transition="in" filter="fade">
+                                      <p:cBhvr>
+                                        <p:cTn id="12" dur="500"/>
+                                        <p:tgtEl>
+                                          <p:spTgt spid="6"/>
+                                        </p:tgtEl>
+                                      </p:cBhvr>
+                                    </p:animEffect>
+                                  </p:childTnLst>
+                                </p:cTn>
+                              </p:par>
+                            </p:childTnLst>
+                          </p:cTn>
+                        </p:par>
+                      </p:childTnLst>
+                    </p:cTn>
+                  </p:par>
+                  <p:par>
+                    <p:cTn id="13" fill="hold">
+                      <p:stCondLst>
+                        <p:cond delay="indefinite"/>
+                      </p:stCondLst>
+                      <p:childTnLst>
+                        <p:par>
+                          <p:cTn id="14" fill="hold">
+                            <p:stCondLst>
+                              <p:cond delay="0"/>
+                            </p:stCondLst>
+                            <p:childTnLst>
+                              <p:par>
+                                <p:cTn id="15" presetID="10" presetClass="entr" presetSubtype="0" fill="hold" nodeType="clickEffect">
+                                  <p:stCondLst>
+                                    <p:cond delay="0"/>
+                                  </p:stCondLst>
+                                  <p:childTnLst>
+                                    <p:set>
+                                      <p:cBhvr>
+                                        <p:cTn id="16" dur="1" fill="hold">
+                                          <p:stCondLst>
+                                            <p:cond delay="0"/>
+                                          </p:stCondLst>
+                                        </p:cTn>
+                                        <p:tgtEl>
+                                          <p:spTgt spid="3">
+                                            <p:txEl>
+                                              <p:pRg st="1" end="1"/>
+                                            </p:txEl>
+                                          </p:spTgt>
+                                        </p:tgtEl>
+                                        <p:attrNameLst>
+                                          <p:attrName>style.visibility</p:attrName>
+                                        </p:attrNameLst>
+                                      </p:cBhvr>
+                                      <p:to>
+                                        <p:strVal val="visible"/>
+                                      </p:to>
+                                    </p:set>
+                                    <p:animEffect transition="in" filter="fade">
+                                      <p:cBhvr>
+                                        <p:cTn id="17" dur="500"/>
+                                        <p:tgtEl>
+                                          <p:spTgt spid="3">
+                                            <p:txEl>
+                                              <p:pRg st="1" end="1"/>
+                                            </p:txEl>
+                                          </p:spTgt>
+                                        </p:tgtEl>
+                                      </p:cBhvr>
+                                    </p:animEffect>
+                                  </p:childTnLst>
+                                </p:cTn>
+                              </p:par>
+                            </p:childTnLst>
+                          </p:cTn>
+                        </p:par>
+                      </p:childTnLst>
+                    </p:cTn>
+                  </p:par>
+                  <p:par>
+                    <p:cTn id="18" fill="hold">
+                      <p:stCondLst>
+                        <p:cond delay="indefinite"/>
+                      </p:stCondLst>
+                      <p:childTnLst>
+                        <p:par>
+                          <p:cTn id="19" fill="hold">
+                            <p:stCondLst>
+                              <p:cond delay="0"/>
+                            </p:stCondLst>
+                            <p:childTnLst>
+                              <p:par>
+                                <p:cTn id="20" presetID="10" presetClass="entr" presetSubtype="0" fill="hold" nodeType="clickEffect">
+                                  <p:stCondLst>
+                                    <p:cond delay="0"/>
+                                  </p:stCondLst>
+                                  <p:childTnLst>
+                                    <p:set>
+                                      <p:cBhvr>
+                                        <p:cTn id="21" dur="1" fill="hold">
+                                          <p:stCondLst>
+                                            <p:cond delay="0"/>
+                                          </p:stCondLst>
+                                        </p:cTn>
+                                        <p:tgtEl>
+                                          <p:spTgt spid="3">
+                                            <p:txEl>
+                                              <p:pRg st="2" end="2"/>
+                                            </p:txEl>
+                                          </p:spTgt>
+                                        </p:tgtEl>
+                                        <p:attrNameLst>
+                                          <p:attrName>style.visibility</p:attrName>
+                                        </p:attrNameLst>
+                                      </p:cBhvr>
+                                      <p:to>
+                                        <p:strVal val="visible"/>
+                                      </p:to>
+                                    </p:set>
+                                    <p:animEffect transition="in" filter="fade">
+                                      <p:cBhvr>
+                                        <p:cTn id="22" dur="500"/>
+                                        <p:tgtEl>
+                                          <p:spTgt spid="3">
+                                            <p:txEl>
+                                              <p:pRg st="2" end="2"/>
+                                            </p:txEl>
+                                          </p:spTgt>
+                                        </p:tgtEl>
+                                      </p:cBhvr>
+                                    </p:animEffect>
+                                  </p:childTnLst>
+                                </p:cTn>
+                              </p:par>
+                            </p:childTnLst>
+                          </p:cTn>
+                        </p:par>
+                      </p:childTnLst>
+                    </p:cTn>
+                  </p:par>
+                  <p:par>
+                    <p:cTn id="23" fill="hold">
+                      <p:stCondLst>
+                        <p:cond delay="indefinite"/>
+                      </p:stCondLst>
+                      <p:childTnLst>
+                        <p:par>
+                          <p:cTn id="24" fill="hold">
+                            <p:stCondLst>
+                              <p:cond delay="0"/>
+                            </p:stCondLst>
+                            <p:childTnLst>
+                              <p:par>
+                                <p:cTn id="25" presetID="10" presetClass="entr" presetSubtype="0" fill="hold" nodeType="clickEffect">
+                                  <p:stCondLst>
+                                    <p:cond delay="0"/>
+                                  </p:stCondLst>
+                                  <p:childTnLst>
+                                    <p:set>
+                                      <p:cBhvr>
+                                        <p:cTn id="26" dur="1" fill="hold">
+                                          <p:stCondLst>
+                                            <p:cond delay="0"/>
+                                          </p:stCondLst>
+                                        </p:cTn>
+                                        <p:tgtEl>
+                                          <p:spTgt spid="3">
+                                            <p:txEl>
+                                              <p:pRg st="3" end="3"/>
+                                            </p:txEl>
+                                          </p:spTgt>
+                                        </p:tgtEl>
+                                        <p:attrNameLst>
+                                          <p:attrName>style.visibility</p:attrName>
+                                        </p:attrNameLst>
+                                      </p:cBhvr>
+                                      <p:to>
+                                        <p:strVal val="visible"/>
+                                      </p:to>
+                                    </p:set>
+                                    <p:animEffect transition="in" filter="fade">
+                                      <p:cBhvr>
+                                        <p:cTn id="27" dur="500"/>
+                                        <p:tgtEl>
+                                          <p:spTgt spid="3">
+                                            <p:txEl>
+                                              <p:pRg st="3" end="3"/>
+                                            </p:txEl>
+                                          </p:spTgt>
+                                        </p:tgtEl>
+                                      </p:cBhvr>
+                                    </p:animEffect>
+                                  </p:childTnLst>
+                                </p:cTn>
+                              </p:par>
+                            </p:childTnLst>
+                          </p:cTn>
+                        </p:par>
+                      </p:childTnLst>
+                    </p:cTn>
+                  </p:par>
+                  <p:par>
+                    <p:cTn id="28" fill="hold">
+                      <p:stCondLst>
+                        <p:cond delay="indefinite"/>
+                      </p:stCondLst>
+                      <p:childTnLst>
+                        <p:par>
+                          <p:cTn id="29" fill="hold">
+                            <p:stCondLst>
+                              <p:cond delay="0"/>
+                            </p:stCondLst>
+                            <p:childTnLst>
+                              <p:par>
+                                <p:cTn id="30" presetID="10" presetClass="entr" presetSubtype="0" fill="hold" nodeType="clickEffect">
+                                  <p:stCondLst>
+                                    <p:cond delay="0"/>
+                                  </p:stCondLst>
+                                  <p:childTnLst>
+                                    <p:set>
+                                      <p:cBhvr>
+                                        <p:cTn id="31" dur="1" fill="hold">
+                                          <p:stCondLst>
+                                            <p:cond delay="0"/>
+                                          </p:stCondLst>
+                                        </p:cTn>
+                                        <p:tgtEl>
+                                          <p:spTgt spid="3">
+                                            <p:txEl>
+                                              <p:pRg st="4" end="4"/>
+                                            </p:txEl>
+                                          </p:spTgt>
+                                        </p:tgtEl>
+                                        <p:attrNameLst>
+                                          <p:attrName>style.visibility</p:attrName>
+                                        </p:attrNameLst>
+                                      </p:cBhvr>
+                                      <p:to>
+                                        <p:strVal val="visible"/>
+                                      </p:to>
+                                    </p:set>
+                                    <p:animEffect transition="in" filter="fade">
+                                      <p:cBhvr>
+                                        <p:cTn id="32" dur="500"/>
+                                        <p:tgtEl>
+                                          <p:spTgt spid="3">
+                                            <p:txEl>
+                                              <p:pRg st="4" end="4"/>
+                                            </p:txEl>
+                                          </p:spTgt>
+                                        </p:tgtEl>
+                                      </p:cBhvr>
+                                    </p:animEffect>
+                                  </p:childTnLst>
+                                </p:cTn>
+                              </p:par>
+                            </p:childTnLst>
+                          </p:cTn>
+                        </p:par>
+                      </p:childTnLst>
+                    </p:cTn>
+                  </p:par>
+                  <p:par>
+                    <p:cTn id="33" fill="hold">
+                      <p:stCondLst>
+                        <p:cond delay="indefinite"/>
+                      </p:stCondLst>
+                      <p:childTnLst>
+                        <p:par>
+                          <p:cTn id="34" fill="hold">
+                            <p:stCondLst>
+                              <p:cond delay="0"/>
+                            </p:stCondLst>
+                            <p:childTnLst>
+                              <p:par>
+                                <p:cTn id="35" presetID="10" presetClass="entr" presetSubtype="0" fill="hold" nodeType="clickEffect">
+                                  <p:stCondLst>
+                                    <p:cond delay="0"/>
+                                  </p:stCondLst>
+                                  <p:childTnLst>
+                                    <p:set>
+                                      <p:cBhvr>
+                                        <p:cTn id="36" dur="1" fill="hold">
+                                          <p:stCondLst>
+                                            <p:cond delay="0"/>
+                                          </p:stCondLst>
+                                        </p:cTn>
+                                        <p:tgtEl>
+                                          <p:spTgt spid="5"/>
+                                        </p:tgtEl>
+                                        <p:attrNameLst>
+                                          <p:attrName>style.visibility</p:attrName>
+                                        </p:attrNameLst>
+                                      </p:cBhvr>
+                                      <p:to>
+                                        <p:strVal val="visible"/>
+                                      </p:to>
+                                    </p:set>
+                                    <p:animEffect transition="in" filter="fade">
+                                      <p:cBhvr>
+                                        <p:cTn id="37" dur="500"/>
+                                        <p:tgtEl>
+                                          <p:spTgt spid="5"/>
+                                        </p:tgtEl>
+                                      </p:cBhvr>
+                                    </p:animEffect>
+                                  </p:childTnLst>
+                                </p:cTn>
+                              </p:par>
+                            </p:childTnLst>
+                          </p:cTn>
+                        </p:par>
+                      </p:childTnLst>
+                    </p:cTn>
+                  </p:par>
+                </p:childTnLst>
+              </p:cTn>
+              <p:prevCondLst>
+                <p:cond evt="onPrev" delay="0">
+                  <p:tgtEl>
+                    <p:sldTgt/>
+                  </p:tgtEl>
+                </p:cond>
+              </p:prevCondLst>
+              <p:nextCondLst>
+                <p:cond evt="onNext" delay="0">
+                  <p:tgtEl>
+                    <p:sldTgt/>
+                  </p:tgtEl>
+                </p:cond>
+              </p:nextCondLst>
+            </p:seq>
+          </p:childTnLst>
+        </p:cTn>
+      </p:par>
+    </p:tnLst>
+  </p:timing>
+</p:sld>
+</file>
+
+<file path=ppt/slides/slide5.xml><?xml version="1.0" encoding="utf-8"?>
+<p:sld xmlns:a="http://schemas.openxmlformats.org/drawingml/2006/main" xmlns:r="http://schemas.openxmlformats.org/officeDocument/2006/relationships" xmlns:p="http://schemas.openxmlformats.org/presentationml/2006/main">
+  <p:cSld>
+    <p:spTree>
+      <p:nvGrpSpPr>
+        <p:cNvPr id="1" name=""/>
+        <p:cNvGrpSpPr/>
+        <p:nvPr/>
+      </p:nvGrpSpPr>
+      <p:grpSpPr>
+        <a:xfrm>
+          <a:off x="0" y="0"/>
+          <a:ext cx="0" cy="0"/>
+          <a:chOff x="0" y="0"/>
+          <a:chExt cx="0" cy="0"/>
+        </a:xfrm>
+      </p:grpSpPr>
+      <p:sp>
+        <p:nvSpPr>
+          <p:cNvPr id="2" name="Title 1"/>
+          <p:cNvSpPr>
+            <a:spLocks noGrp="1"/>
+          </p:cNvSpPr>
+          <p:nvPr>
+            <p:ph type="title"/>
+          </p:nvPr>
+        </p:nvSpPr>
+        <p:spPr/>
+        <p:txBody>
+          <a:bodyPr>
+            <a:normAutofit fontScale="90000"/>
+          </a:bodyPr>
+          <a:lstStyle/>
+          <a:p>
+            <a:r>
+              <a:rPr lang="en-US" dirty="0"/>
+              <a:t>Newton’s First Law</a:t>
+            </a:r>
+            <a:br>
+              <a:rPr lang="en-US" dirty="0"/>
+            </a:br>
+            <a:r>
+              <a:rPr lang="en-US" dirty="0"/>
+              <a:t>and the “Net Force”</a:t>
+            </a:r>
+          </a:p>
+        </p:txBody>
+      </p:sp>
+      <p:sp>
+        <p:nvSpPr>
+          <p:cNvPr id="3" name="Content Placeholder 2"/>
+          <p:cNvSpPr>
+            <a:spLocks noGrp="1"/>
+          </p:cNvSpPr>
+          <p:nvPr>
+            <p:ph idx="1"/>
+          </p:nvPr>
+        </p:nvSpPr>
+        <p:spPr>
+          <a:xfrm>
+            <a:off x="457200" y="1600200"/>
+            <a:ext cx="5029200" cy="4756150"/>
+          </a:xfrm>
+        </p:spPr>
+        <p:txBody>
+          <a:bodyPr>
+            <a:normAutofit fontScale="85000" lnSpcReduction="20000"/>
+          </a:bodyPr>
+          <a:lstStyle/>
+          <a:p>
+            <a:r>
+              <a:rPr lang="en-US" dirty="0"/>
+              <a:t>An important concept to understand as a part of Newton’s First Law is the idea of the “Net Force”</a:t>
+            </a:r>
+          </a:p>
+          <a:p>
+            <a:endParaRPr lang="en-US" dirty="0"/>
+          </a:p>
+          <a:p>
+            <a:r>
+              <a:rPr lang="en-US" dirty="0"/>
+              <a:t>The </a:t>
+            </a:r>
+            <a:r>
+              <a:rPr lang="en-US" b="1" dirty="0"/>
+              <a:t>net force</a:t>
+            </a:r>
+            <a:r>
+              <a:rPr lang="en-US" dirty="0"/>
+              <a:t> is the </a:t>
+            </a:r>
+            <a:r>
+              <a:rPr lang="en-US" b="1" dirty="0"/>
+              <a:t>sum</a:t>
+            </a:r>
+            <a:r>
+              <a:rPr lang="en-US" dirty="0"/>
+              <a:t> of all the forces acting on a body.</a:t>
+            </a:r>
+          </a:p>
+          <a:p>
+            <a:r>
+              <a:rPr lang="en-US" dirty="0"/>
+              <a:t>A </a:t>
+            </a:r>
+            <a:r>
+              <a:rPr lang="en-US" b="1" dirty="0"/>
+              <a:t>non-zero net force</a:t>
+            </a:r>
+            <a:r>
+              <a:rPr lang="en-US" dirty="0"/>
+              <a:t>, or unbalanced force is needed to change the velocity of the body. If the velocity is changing it has an </a:t>
+            </a:r>
+            <a:r>
+              <a:rPr lang="en-US" b="1" dirty="0"/>
+              <a:t>acceleration</a:t>
+            </a:r>
+            <a:r>
+              <a:rPr lang="en-US" dirty="0"/>
+              <a:t>.</a:t>
+            </a:r>
+          </a:p>
+        </p:txBody>
+      </p:sp>
+      <p:sp>
+        <p:nvSpPr>
+          <p:cNvPr id="4" name="Slide Number Placeholder 3"/>
+          <p:cNvSpPr>
+            <a:spLocks noGrp="1"/>
+          </p:cNvSpPr>
+          <p:nvPr>
+            <p:ph type="sldNum" sz="quarter" idx="12"/>
+          </p:nvPr>
+        </p:nvSpPr>
+        <p:spPr/>
+        <p:txBody>
+          <a:bodyPr/>
+          <a:lstStyle/>
+          <a:p>
+            <a:fld id="{929262FE-7F58-4A1E-8AF3-5A510A86DEBD}" type="slidenum">
+              <a:rPr lang="en-US" smtClean="0"/>
+              <a:t>5</a:t>
+            </a:fld>
+            <a:endParaRPr lang="en-US"/>
+          </a:p>
+        </p:txBody>
+      </p:sp>
+      <p:pic>
+        <p:nvPicPr>
+          <p:cNvPr id="5" name="Picture 2" descr="A Rock in a Field By Liz Gray [CC-BY-SA-2.0 (http://creativecommons.org/licenses/by-sa/2.0)], via Wikimedia Commons"/>
+          <p:cNvPicPr>
+            <a:picLocks noChangeAspect="1" noChangeArrowheads="1"/>
+          </p:cNvPicPr>
+          <p:nvPr/>
+        </p:nvPicPr>
+        <p:blipFill rotWithShape="1">
+          <a:blip r:embed="rId2">
+            <a:extLst>
+              <a:ext uri="{28A0092B-C50C-407E-A947-70E740481C1C}">
+                <a14:useLocalDpi xmlns:a14="http://schemas.microsoft.com/office/drawing/2010/main" val="0"/>
+              </a:ext>
+            </a:extLst>
+          </a:blip>
+          <a:srcRect l="44506"/>
+          <a:stretch/>
+        </p:blipFill>
+        <p:spPr bwMode="auto">
+          <a:xfrm>
+            <a:off x="5859236" y="2133600"/>
+            <a:ext cx="2808514" cy="3795665"/>
+          </a:xfrm>
+          <a:prstGeom prst="rect">
+            <a:avLst/>
+          </a:prstGeom>
+          <a:noFill/>
+          <a:extLst>
+            <a:ext uri="{909E8E84-426E-40DD-AFC4-6F175D3DCCD1}">
+              <a14:hiddenFill xmlns:a14="http://schemas.microsoft.com/office/drawing/2010/main">
+                <a:solidFill>
+                  <a:srgbClr val="FFFFFF"/>
+                </a:solidFill>
+              </a14:hiddenFill>
+            </a:ext>
+          </a:extLst>
+        </p:spPr>
+      </p:pic>
+    </p:spTree>
+    <p:extLst>
+      <p:ext uri="{BB962C8B-B14F-4D97-AF65-F5344CB8AC3E}">
+        <p14:creationId xmlns:p14="http://schemas.microsoft.com/office/powerpoint/2010/main" val="1790905930"/>
+      </p:ext>
+    </p:extLst>
+  </p:cSld>
+  <p:clrMapOvr>
+    <a:masterClrMapping/>
+  </p:clrMapOvr>
+  <p:timing>
+    <p:tnLst>
+      <p:par>
+        <p:cTn id="1" dur="indefinite" restart="never" nodeType="tmRoot">
+          <p:childTnLst>
+            <p:seq concurrent="1" nextAc="seek">
+              <p:cTn id="2" dur="indefinite" nodeType="mainSeq">
+                <p:childTnLst>
+                  <p:par>
+                    <p:cTn id="3" fill="hold">
+                      <p:stCondLst>
+                        <p:cond delay="indefinite"/>
+                      </p:stCondLst>
+                      <p:childTnLst>
+                        <p:par>
+                          <p:cTn id="4" fill="hold">
+                            <p:stCondLst>
+                              <p:cond delay="0"/>
+                            </p:stCondLst>
+                            <p:childTnLst>
+                              <p:par>
+                                <p:cTn id="5" presetID="10" presetClass="entr" presetSubtype="0" fill="hold" grpId="0" nodeType="clickEffect">
+                                  <p:stCondLst>
+                                    <p:cond delay="0"/>
+                                  </p:stCondLst>
+                                  <p:childTnLst>
+                                    <p:set>
+                                      <p:cBhvr>
+                                        <p:cTn id="6" dur="1" fill="hold">
+                                          <p:stCondLst>
+                                            <p:cond delay="0"/>
+                                          </p:stCondLst>
+                                        </p:cTn>
+                                        <p:tgtEl>
+                                          <p:spTgt spid="3">
+                                            <p:txEl>
+                                              <p:pRg st="0" end="0"/>
+                                            </p:txEl>
+                                          </p:spTgt>
+                                        </p:tgtEl>
+                                        <p:attrNameLst>
+                                          <p:attrName>style.visibility</p:attrName>
+                                        </p:attrNameLst>
+                                      </p:cBhvr>
+                                      <p:to>
+                                        <p:strVal val="visible"/>
+                                      </p:to>
+                                    </p:set>
+                                    <p:animEffect transition="in" filter="fade">
+                                      <p:cBhvr>
+                                        <p:cTn id="7" dur="500"/>
+                                        <p:tgtEl>
+                                          <p:spTgt spid="3">
+                                            <p:txEl>
+                                              <p:pRg st="0" end="0"/>
+                                            </p:txEl>
+                                          </p:spTgt>
+                                        </p:tgtEl>
+                                      </p:cBhvr>
+                                    </p:animEffect>
+                                  </p:childTnLst>
+                                </p:cTn>
+                              </p:par>
+                            </p:childTnLst>
+                          </p:cTn>
+                        </p:par>
+                      </p:childTnLst>
+                    </p:cTn>
+                  </p:par>
+                  <p:par>
+                    <p:cTn id="8" fill="hold">
+                      <p:stCondLst>
+                        <p:cond delay="indefinite"/>
+                      </p:stCondLst>
+                      <p:childTnLst>
+                        <p:par>
+                          <p:cTn id="9" fill="hold">
+                            <p:stCondLst>
+                              <p:cond delay="0"/>
+                            </p:stCondLst>
+                            <p:childTnLst>
+                              <p:par>
+                                <p:cTn id="10" presetID="10" presetClass="entr" presetSubtype="0" fill="hold" grpId="0" nodeType="clickEffect">
+                                  <p:stCondLst>
+                                    <p:cond delay="0"/>
+                                  </p:stCondLst>
+                                  <p:childTnLst>
+                                    <p:set>
+                                      <p:cBhvr>
+                                        <p:cTn id="11" dur="1" fill="hold">
+                                          <p:stCondLst>
+                                            <p:cond delay="0"/>
+                                          </p:stCondLst>
+                                        </p:cTn>
+                                        <p:tgtEl>
+                                          <p:spTgt spid="3">
+                                            <p:txEl>
+                                              <p:pRg st="2" end="2"/>
+                                            </p:txEl>
+                                          </p:spTgt>
+                                        </p:tgtEl>
+                                        <p:attrNameLst>
+                                          <p:attrName>style.visibility</p:attrName>
+                                        </p:attrNameLst>
+                                      </p:cBhvr>
+                                      <p:to>
+                                        <p:strVal val="visible"/>
+                                      </p:to>
+                                    </p:set>
+                                    <p:animEffect transition="in" filter="fade">
+                                      <p:cBhvr>
+                                        <p:cTn id="12" dur="500"/>
+                                        <p:tgtEl>
+                                          <p:spTgt spid="3">
+                                            <p:txEl>
+                                              <p:pRg st="2" end="2"/>
+                                            </p:txEl>
+                                          </p:spTgt>
+                                        </p:tgtEl>
+                                      </p:cBhvr>
+                                    </p:animEffect>
+                                  </p:childTnLst>
+                                </p:cTn>
+                              </p:par>
+                            </p:childTnLst>
+                          </p:cTn>
+                        </p:par>
+                      </p:childTnLst>
+                    </p:cTn>
+                  </p:par>
+                  <p:par>
+                    <p:cTn id="13" fill="hold">
+                      <p:stCondLst>
+                        <p:cond delay="indefinite"/>
+                      </p:stCondLst>
+                      <p:childTnLst>
+                        <p:par>
+                          <p:cTn id="14" fill="hold">
+                            <p:stCondLst>
+                              <p:cond delay="0"/>
+                            </p:stCondLst>
+                            <p:childTnLst>
+                              <p:par>
+                                <p:cTn id="15" presetID="10" presetClass="entr" presetSubtype="0" fill="hold" grpId="0" nodeType="clickEffect">
+                                  <p:stCondLst>
+                                    <p:cond delay="0"/>
+                                  </p:stCondLst>
+                                  <p:childTnLst>
+                                    <p:set>
+                                      <p:cBhvr>
+                                        <p:cTn id="16" dur="1" fill="hold">
+                                          <p:stCondLst>
+                                            <p:cond delay="0"/>
+                                          </p:stCondLst>
+                                        </p:cTn>
+                                        <p:tgtEl>
+                                          <p:spTgt spid="3">
+                                            <p:txEl>
+                                              <p:pRg st="3" end="3"/>
+                                            </p:txEl>
+                                          </p:spTgt>
+                                        </p:tgtEl>
+                                        <p:attrNameLst>
+                                          <p:attrName>style.visibility</p:attrName>
+                                        </p:attrNameLst>
+                                      </p:cBhvr>
+                                      <p:to>
+                                        <p:strVal val="visible"/>
+                                      </p:to>
+                                    </p:set>
+                                    <p:animEffect transition="in" filter="fade">
+                                      <p:cBhvr>
+                                        <p:cTn id="17" dur="500"/>
+                                        <p:tgtEl>
+                                          <p:spTgt spid="3">
+                                            <p:txEl>
+                                              <p:pRg st="3" end="3"/>
+                                            </p:txEl>
+                                          </p:spTgt>
+                                        </p:tgtEl>
+                                      </p:cBhvr>
+                                    </p:animEffect>
+                                  </p:childTnLst>
+                                </p:cTn>
+                              </p:par>
+                            </p:childTnLst>
+                          </p:cTn>
+                        </p:par>
+                      </p:childTnLst>
+                    </p:cTn>
+                  </p:par>
+                </p:childTnLst>
+              </p:cTn>
+              <p:prevCondLst>
+                <p:cond evt="onPrev" delay="0">
+                  <p:tgtEl>
+                    <p:sldTgt/>
+                  </p:tgtEl>
+                </p:cond>
+              </p:prevCondLst>
+              <p:nextCondLst>
+                <p:cond evt="onNext" delay="0">
+                  <p:tgtEl>
+                    <p:sldTgt/>
+                  </p:tgtEl>
+                </p:cond>
+              </p:nextCondLst>
+            </p:seq>
+          </p:childTnLst>
+        </p:cTn>
+      </p:par>
+    </p:tnLst>
+    <p:bldLst>
+      <p:bldP spid="3" grpId="0" build="p"/>
+    </p:bldLst>
+  </p:timing>
+</p:sld>
+</file>
+
+<file path=ppt/slides/slide6.xml><?xml version="1.0" encoding="utf-8"?>
+<p:sld xmlns:a="http://schemas.openxmlformats.org/drawingml/2006/main" xmlns:r="http://schemas.openxmlformats.org/officeDocument/2006/relationships" xmlns:p="http://schemas.openxmlformats.org/presentationml/2006/main">
+  <p:cSld>
+    <p:spTree>
+      <p:nvGrpSpPr>
+        <p:cNvPr id="1" name=""/>
+        <p:cNvGrpSpPr/>
+        <p:nvPr/>
+      </p:nvGrpSpPr>
+      <p:grpSpPr>
+        <a:xfrm>
+          <a:off x="0" y="0"/>
+          <a:ext cx="0" cy="0"/>
+          <a:chOff x="0" y="0"/>
+          <a:chExt cx="0" cy="0"/>
+        </a:xfrm>
+      </p:grpSpPr>
+      <p:sp>
+        <p:nvSpPr>
+          <p:cNvPr id="2" name="Title 1">
+            <a:extLst>
+              <a:ext uri="{FF2B5EF4-FFF2-40B4-BE49-F238E27FC236}">
+                <a16:creationId xmlns:a16="http://schemas.microsoft.com/office/drawing/2014/main" id="{0B79660A-5AA3-4CBA-9708-885D2E381EDC}"/>
+              </a:ext>
+            </a:extLst>
+          </p:cNvPr>
+          <p:cNvSpPr>
+            <a:spLocks noGrp="1"/>
+          </p:cNvSpPr>
+          <p:nvPr>
+            <p:ph type="title"/>
+          </p:nvPr>
+        </p:nvSpPr>
+        <p:spPr/>
+        <p:txBody>
+          <a:bodyPr/>
+          <a:lstStyle/>
+          <a:p>
+            <a:r>
+              <a:rPr lang="en-US" dirty="0"/>
+              <a:t>Newton’s First Law and Rotation</a:t>
+            </a:r>
+          </a:p>
+        </p:txBody>
+      </p:sp>
+      <p:sp>
+        <p:nvSpPr>
+          <p:cNvPr id="3" name="Content Placeholder 2">
+            <a:extLst>
+              <a:ext uri="{FF2B5EF4-FFF2-40B4-BE49-F238E27FC236}">
+                <a16:creationId xmlns:a16="http://schemas.microsoft.com/office/drawing/2014/main" id="{7493D6F3-70FE-4808-9D14-9BEB02C1461D}"/>
+              </a:ext>
+            </a:extLst>
+          </p:cNvPr>
+          <p:cNvSpPr>
+            <a:spLocks noGrp="1"/>
+          </p:cNvSpPr>
+          <p:nvPr>
+            <p:ph idx="1"/>
+          </p:nvPr>
+        </p:nvSpPr>
+        <p:spPr>
+          <a:xfrm>
+            <a:off x="457200" y="1600200"/>
+            <a:ext cx="5257800" cy="4525963"/>
+          </a:xfrm>
+        </p:spPr>
+        <p:txBody>
+          <a:bodyPr>
+            <a:normAutofit fontScale="92500" lnSpcReduction="10000"/>
+          </a:bodyPr>
+          <a:lstStyle/>
+          <a:p>
+            <a:r>
+              <a:rPr lang="en-US" dirty="0"/>
+              <a:t>We can also extend Newton’s First Law to rotation…</a:t>
+            </a:r>
+          </a:p>
+          <a:p>
+            <a:r>
+              <a:rPr lang="en-US" dirty="0"/>
+              <a:t>A body at </a:t>
+            </a:r>
+            <a:r>
+              <a:rPr lang="en-US" b="1" dirty="0"/>
+              <a:t>rest</a:t>
+            </a:r>
+            <a:r>
+              <a:rPr lang="en-US" dirty="0"/>
+              <a:t> will remain at rest unless acted on by an unbalanced </a:t>
+            </a:r>
+            <a:r>
+              <a:rPr lang="en-US" b="1" dirty="0"/>
+              <a:t>moment</a:t>
+            </a:r>
+            <a:r>
+              <a:rPr lang="en-US" dirty="0"/>
+              <a:t>. A body </a:t>
+            </a:r>
+            <a:r>
+              <a:rPr lang="en-US" b="1" dirty="0"/>
+              <a:t>in motion</a:t>
+            </a:r>
+            <a:r>
+              <a:rPr lang="en-US" dirty="0"/>
+              <a:t> continues in motion with the same </a:t>
+            </a:r>
+            <a:r>
+              <a:rPr lang="en-US" b="1" dirty="0"/>
+              <a:t>angular velocity</a:t>
+            </a:r>
+            <a:r>
+              <a:rPr lang="en-US" dirty="0"/>
+              <a:t> and in the same direction unless acted upon by an </a:t>
+            </a:r>
+            <a:r>
+              <a:rPr lang="en-US" b="1" dirty="0"/>
+              <a:t>unbalanced moment</a:t>
+            </a:r>
+          </a:p>
+        </p:txBody>
+      </p:sp>
+      <p:sp>
+        <p:nvSpPr>
+          <p:cNvPr id="4" name="Slide Number Placeholder 3">
+            <a:extLst>
+              <a:ext uri="{FF2B5EF4-FFF2-40B4-BE49-F238E27FC236}">
+                <a16:creationId xmlns:a16="http://schemas.microsoft.com/office/drawing/2014/main" id="{16E139DB-896A-4692-B8DC-C741C6FB48F5}"/>
+              </a:ext>
+            </a:extLst>
+          </p:cNvPr>
+          <p:cNvSpPr>
+            <a:spLocks noGrp="1"/>
+          </p:cNvSpPr>
+          <p:nvPr>
+            <p:ph type="sldNum" sz="quarter" idx="12"/>
+          </p:nvPr>
+        </p:nvSpPr>
+        <p:spPr/>
+        <p:txBody>
+          <a:bodyPr/>
+          <a:lstStyle/>
+          <a:p>
+            <a:fld id="{929262FE-7F58-4A1E-8AF3-5A510A86DEBD}" type="slidenum">
+              <a:rPr lang="en-US" smtClean="0"/>
+              <a:t>6</a:t>
+            </a:fld>
+            <a:endParaRPr lang="en-US"/>
+          </a:p>
+        </p:txBody>
+      </p:sp>
+      <p:pic>
+        <p:nvPicPr>
+          <p:cNvPr id="1026" name="Picture 2" descr="Spinning Top">
+            <a:extLst>
+              <a:ext uri="{FF2B5EF4-FFF2-40B4-BE49-F238E27FC236}">
+                <a16:creationId xmlns:a16="http://schemas.microsoft.com/office/drawing/2014/main" id="{5C8C8E4C-C20F-4D3A-ACE6-42AB8B89E56A}"/>
+              </a:ext>
+            </a:extLst>
+          </p:cNvPr>
+          <p:cNvPicPr>
+            <a:picLocks noChangeAspect="1" noChangeArrowheads="1"/>
+          </p:cNvPicPr>
+          <p:nvPr/>
+        </p:nvPicPr>
+        <p:blipFill>
+          <a:blip r:embed="rId2">
+            <a:extLst>
+              <a:ext uri="{28A0092B-C50C-407E-A947-70E740481C1C}">
+                <a14:useLocalDpi xmlns:a14="http://schemas.microsoft.com/office/drawing/2010/main" val="0"/>
+              </a:ext>
+            </a:extLst>
+          </a:blip>
+          <a:srcRect/>
+          <a:stretch>
+            <a:fillRect/>
+          </a:stretch>
+        </p:blipFill>
+        <p:spPr bwMode="auto">
+          <a:xfrm>
+            <a:off x="6096000" y="2707843"/>
+            <a:ext cx="2743200" cy="2051914"/>
+          </a:xfrm>
+          <a:prstGeom prst="rect">
+            <a:avLst/>
+          </a:prstGeom>
+          <a:noFill/>
+          <a:extLst>
+            <a:ext uri="{909E8E84-426E-40DD-AFC4-6F175D3DCCD1}">
+              <a14:hiddenFill xmlns:a14="http://schemas.microsoft.com/office/drawing/2010/main">
+                <a:solidFill>
+                  <a:srgbClr val="FFFFFF"/>
+                </a:solidFill>
+              </a14:hiddenFill>
+            </a:ext>
+          </a:extLst>
+        </p:spPr>
+      </p:pic>
+    </p:spTree>
+    <p:extLst>
+      <p:ext uri="{BB962C8B-B14F-4D97-AF65-F5344CB8AC3E}">
+        <p14:creationId xmlns:p14="http://schemas.microsoft.com/office/powerpoint/2010/main" val="1673826892"/>
       </p:ext>
     </p:extLst>
   </p:cSld>
@@ -4028,7 +5918,7 @@
                                         <p:tgtEl>
                                           <p:spTgt spid="3">
                                             <p:txEl>
-                                              <p:pRg st="2" end="2"/>
+                                              <p:pRg st="1" end="1"/>
                                             </p:txEl>
                                           </p:spTgt>
                                         </p:tgtEl>
@@ -4062,7 +5952,7 @@
                             </p:stCondLst>
                             <p:childTnLst>
                               <p:par>
-                                <p:cTn id="13" presetID="1" presetClass="entr" presetSubtype="0" fill="hold" grpId="0" nodeType="clickEffect">
+                                <p:cTn id="13" presetID="10" presetClass="entr" presetSubtype="0" fill="hold" nodeType="clickEffect">
                                   <p:stCondLst>
                                     <p:cond delay="0"/>
                                   </p:stCondLst>
@@ -4075,862 +5965,7 @@
                                           </p:stCondLst>
                                         </p:cTn>
                                         <p:tgtEl>
-                                          <p:spTgt spid="3">
-                                            <p:txEl>
-                                              <p:pRg st="4" end="4"/>
-                                            </p:txEl>
-                                          </p:spTgt>
-                                        </p:tgtEl>
-                                        <p:attrNameLst>
-                                          <p:attrName>style.visibility</p:attrName>
-                                        </p:attrNameLst>
-                                      </p:cBhvr>
-                                      <p:to>
-                                        <p:strVal val="visible"/>
-                                      </p:to>
-                                    </p:set>
-                                  </p:childTnLst>
-                                </p:cTn>
-                              </p:par>
-                            </p:childTnLst>
-                          </p:cTn>
-                        </p:par>
-                      </p:childTnLst>
-                    </p:cTn>
-                  </p:par>
-                </p:childTnLst>
-              </p:cTn>
-              <p:prevCondLst>
-                <p:cond evt="onPrev" delay="0">
-                  <p:tgtEl>
-                    <p:sldTgt/>
-                  </p:tgtEl>
-                </p:cond>
-              </p:prevCondLst>
-              <p:nextCondLst>
-                <p:cond evt="onNext" delay="0">
-                  <p:tgtEl>
-                    <p:sldTgt/>
-                  </p:tgtEl>
-                </p:cond>
-              </p:nextCondLst>
-            </p:seq>
-          </p:childTnLst>
-        </p:cTn>
-      </p:par>
-    </p:tnLst>
-    <p:bldLst>
-      <p:bldP spid="3" grpId="0" build="p"/>
-    </p:bldLst>
-  </p:timing>
-</p:sld>
-</file>
-
-<file path=ppt/slides/slide3.xml><?xml version="1.0" encoding="utf-8"?>
-<p:sld xmlns:a="http://schemas.openxmlformats.org/drawingml/2006/main" xmlns:r="http://schemas.openxmlformats.org/officeDocument/2006/relationships" xmlns:p="http://schemas.openxmlformats.org/presentationml/2006/main">
-  <p:cSld>
-    <p:spTree>
-      <p:nvGrpSpPr>
-        <p:cNvPr id="1" name=""/>
-        <p:cNvGrpSpPr/>
-        <p:nvPr/>
-      </p:nvGrpSpPr>
-      <p:grpSpPr>
-        <a:xfrm>
-          <a:off x="0" y="0"/>
-          <a:ext cx="0" cy="0"/>
-          <a:chOff x="0" y="0"/>
-          <a:chExt cx="0" cy="0"/>
-        </a:xfrm>
-      </p:grpSpPr>
-      <p:sp>
-        <p:nvSpPr>
-          <p:cNvPr id="2" name="Title 1"/>
-          <p:cNvSpPr>
-            <a:spLocks noGrp="1"/>
-          </p:cNvSpPr>
-          <p:nvPr>
-            <p:ph type="title"/>
-          </p:nvPr>
-        </p:nvSpPr>
-        <p:spPr/>
-        <p:txBody>
-          <a:bodyPr/>
-          <a:lstStyle/>
-          <a:p>
-            <a:r>
-              <a:rPr lang="en-US" dirty="0"/>
-              <a:t>Newton’s Third Law Pairs</a:t>
-            </a:r>
-          </a:p>
-        </p:txBody>
-      </p:sp>
-      <p:sp>
-        <p:nvSpPr>
-          <p:cNvPr id="3" name="Content Placeholder 2"/>
-          <p:cNvSpPr>
-            <a:spLocks noGrp="1"/>
-          </p:cNvSpPr>
-          <p:nvPr>
-            <p:ph idx="1"/>
-          </p:nvPr>
-        </p:nvSpPr>
-        <p:spPr/>
-        <p:txBody>
-          <a:bodyPr/>
-          <a:lstStyle/>
-          <a:p>
-            <a:r>
-              <a:rPr lang="en-US" dirty="0"/>
-              <a:t>This law means that all forces come in pairs.</a:t>
-            </a:r>
-          </a:p>
-          <a:p>
-            <a:endParaRPr lang="en-US" dirty="0"/>
-          </a:p>
-          <a:p>
-            <a:pPr lvl="1"/>
-            <a:r>
-              <a:rPr lang="en-US" dirty="0"/>
-              <a:t>If Body A exerts a force on Body B, then Body B exerts an equal and opposite force back on Body A.</a:t>
-            </a:r>
-          </a:p>
-          <a:p>
-            <a:pPr lvl="1"/>
-            <a:endParaRPr lang="en-US" dirty="0"/>
-          </a:p>
-          <a:p>
-            <a:pPr lvl="1"/>
-            <a:r>
-              <a:rPr lang="en-US" dirty="0"/>
-              <a:t>It is important to note here that a Newton’s Third Law pair has to act on two separate bodies, one force acting on each body.</a:t>
-            </a:r>
-          </a:p>
-        </p:txBody>
-      </p:sp>
-      <p:sp>
-        <p:nvSpPr>
-          <p:cNvPr id="4" name="Slide Number Placeholder 3"/>
-          <p:cNvSpPr>
-            <a:spLocks noGrp="1"/>
-          </p:cNvSpPr>
-          <p:nvPr>
-            <p:ph type="sldNum" sz="quarter" idx="12"/>
-          </p:nvPr>
-        </p:nvSpPr>
-        <p:spPr/>
-        <p:txBody>
-          <a:bodyPr/>
-          <a:lstStyle/>
-          <a:p>
-            <a:fld id="{929262FE-7F58-4A1E-8AF3-5A510A86DEBD}" type="slidenum">
-              <a:rPr lang="en-US" smtClean="0"/>
-              <a:t>3</a:t>
-            </a:fld>
-            <a:endParaRPr lang="en-US"/>
-          </a:p>
-        </p:txBody>
-      </p:sp>
-    </p:spTree>
-    <p:extLst>
-      <p:ext uri="{BB962C8B-B14F-4D97-AF65-F5344CB8AC3E}">
-        <p14:creationId xmlns:p14="http://schemas.microsoft.com/office/powerpoint/2010/main" val="105349649"/>
-      </p:ext>
-    </p:extLst>
-  </p:cSld>
-  <p:clrMapOvr>
-    <a:masterClrMapping/>
-  </p:clrMapOvr>
-  <p:timing>
-    <p:tnLst>
-      <p:par>
-        <p:cTn id="1" dur="indefinite" restart="never" nodeType="tmRoot">
-          <p:childTnLst>
-            <p:seq concurrent="1" nextAc="seek">
-              <p:cTn id="2" dur="indefinite" nodeType="mainSeq">
-                <p:childTnLst>
-                  <p:par>
-                    <p:cTn id="3" fill="hold">
-                      <p:stCondLst>
-                        <p:cond delay="indefinite"/>
-                      </p:stCondLst>
-                      <p:childTnLst>
-                        <p:par>
-                          <p:cTn id="4" fill="hold">
-                            <p:stCondLst>
-                              <p:cond delay="0"/>
-                            </p:stCondLst>
-                            <p:childTnLst>
-                              <p:par>
-                                <p:cTn id="5" presetID="1" presetClass="entr" presetSubtype="0" fill="hold" grpId="0" nodeType="clickEffect">
-                                  <p:stCondLst>
-                                    <p:cond delay="0"/>
-                                  </p:stCondLst>
-                                  <p:childTnLst>
-                                    <p:set>
-                                      <p:cBhvr>
-                                        <p:cTn id="6" dur="1" fill="hold">
-                                          <p:stCondLst>
-                                            <p:cond delay="0"/>
-                                          </p:stCondLst>
-                                        </p:cTn>
-                                        <p:tgtEl>
-                                          <p:spTgt spid="3">
-                                            <p:txEl>
-                                              <p:pRg st="0" end="0"/>
-                                            </p:txEl>
-                                          </p:spTgt>
-                                        </p:tgtEl>
-                                        <p:attrNameLst>
-                                          <p:attrName>style.visibility</p:attrName>
-                                        </p:attrNameLst>
-                                      </p:cBhvr>
-                                      <p:to>
-                                        <p:strVal val="visible"/>
-                                      </p:to>
-                                    </p:set>
-                                  </p:childTnLst>
-                                </p:cTn>
-                              </p:par>
-                            </p:childTnLst>
-                          </p:cTn>
-                        </p:par>
-                      </p:childTnLst>
-                    </p:cTn>
-                  </p:par>
-                  <p:par>
-                    <p:cTn id="7" fill="hold">
-                      <p:stCondLst>
-                        <p:cond delay="indefinite"/>
-                      </p:stCondLst>
-                      <p:childTnLst>
-                        <p:par>
-                          <p:cTn id="8" fill="hold">
-                            <p:stCondLst>
-                              <p:cond delay="0"/>
-                            </p:stCondLst>
-                            <p:childTnLst>
-                              <p:par>
-                                <p:cTn id="9" presetID="1" presetClass="entr" presetSubtype="0" fill="hold" grpId="0" nodeType="clickEffect">
-                                  <p:stCondLst>
-                                    <p:cond delay="0"/>
-                                  </p:stCondLst>
-                                  <p:childTnLst>
-                                    <p:set>
-                                      <p:cBhvr>
-                                        <p:cTn id="10" dur="1" fill="hold">
-                                          <p:stCondLst>
-                                            <p:cond delay="0"/>
-                                          </p:stCondLst>
-                                        </p:cTn>
-                                        <p:tgtEl>
-                                          <p:spTgt spid="3">
-                                            <p:txEl>
-                                              <p:pRg st="2" end="2"/>
-                                            </p:txEl>
-                                          </p:spTgt>
-                                        </p:tgtEl>
-                                        <p:attrNameLst>
-                                          <p:attrName>style.visibility</p:attrName>
-                                        </p:attrNameLst>
-                                      </p:cBhvr>
-                                      <p:to>
-                                        <p:strVal val="visible"/>
-                                      </p:to>
-                                    </p:set>
-                                  </p:childTnLst>
-                                </p:cTn>
-                              </p:par>
-                            </p:childTnLst>
-                          </p:cTn>
-                        </p:par>
-                      </p:childTnLst>
-                    </p:cTn>
-                  </p:par>
-                  <p:par>
-                    <p:cTn id="11" fill="hold">
-                      <p:stCondLst>
-                        <p:cond delay="indefinite"/>
-                      </p:stCondLst>
-                      <p:childTnLst>
-                        <p:par>
-                          <p:cTn id="12" fill="hold">
-                            <p:stCondLst>
-                              <p:cond delay="0"/>
-                            </p:stCondLst>
-                            <p:childTnLst>
-                              <p:par>
-                                <p:cTn id="13" presetID="1" presetClass="entr" presetSubtype="0" fill="hold" grpId="0" nodeType="clickEffect">
-                                  <p:stCondLst>
-                                    <p:cond delay="0"/>
-                                  </p:stCondLst>
-                                  <p:childTnLst>
-                                    <p:set>
-                                      <p:cBhvr>
-                                        <p:cTn id="14" dur="1" fill="hold">
-                                          <p:stCondLst>
-                                            <p:cond delay="0"/>
-                                          </p:stCondLst>
-                                        </p:cTn>
-                                        <p:tgtEl>
-                                          <p:spTgt spid="3">
-                                            <p:txEl>
-                                              <p:pRg st="4" end="4"/>
-                                            </p:txEl>
-                                          </p:spTgt>
-                                        </p:tgtEl>
-                                        <p:attrNameLst>
-                                          <p:attrName>style.visibility</p:attrName>
-                                        </p:attrNameLst>
-                                      </p:cBhvr>
-                                      <p:to>
-                                        <p:strVal val="visible"/>
-                                      </p:to>
-                                    </p:set>
-                                  </p:childTnLst>
-                                </p:cTn>
-                              </p:par>
-                            </p:childTnLst>
-                          </p:cTn>
-                        </p:par>
-                      </p:childTnLst>
-                    </p:cTn>
-                  </p:par>
-                </p:childTnLst>
-              </p:cTn>
-              <p:prevCondLst>
-                <p:cond evt="onPrev" delay="0">
-                  <p:tgtEl>
-                    <p:sldTgt/>
-                  </p:tgtEl>
-                </p:cond>
-              </p:prevCondLst>
-              <p:nextCondLst>
-                <p:cond evt="onNext" delay="0">
-                  <p:tgtEl>
-                    <p:sldTgt/>
-                  </p:tgtEl>
-                </p:cond>
-              </p:nextCondLst>
-            </p:seq>
-          </p:childTnLst>
-        </p:cTn>
-      </p:par>
-    </p:tnLst>
-    <p:bldLst>
-      <p:bldP spid="3" grpId="0" build="p"/>
-    </p:bldLst>
-  </p:timing>
-</p:sld>
-</file>
-
-<file path=ppt/slides/slide4.xml><?xml version="1.0" encoding="utf-8"?>
-<p:sld xmlns:a="http://schemas.openxmlformats.org/drawingml/2006/main" xmlns:r="http://schemas.openxmlformats.org/officeDocument/2006/relationships" xmlns:p="http://schemas.openxmlformats.org/presentationml/2006/main">
-  <p:cSld>
-    <p:spTree>
-      <p:nvGrpSpPr>
-        <p:cNvPr id="1" name=""/>
-        <p:cNvGrpSpPr/>
-        <p:nvPr/>
-      </p:nvGrpSpPr>
-      <p:grpSpPr>
-        <a:xfrm>
-          <a:off x="0" y="0"/>
-          <a:ext cx="0" cy="0"/>
-          <a:chOff x="0" y="0"/>
-          <a:chExt cx="0" cy="0"/>
-        </a:xfrm>
-      </p:grpSpPr>
-      <p:sp>
-        <p:nvSpPr>
-          <p:cNvPr id="2" name="Title 1"/>
-          <p:cNvSpPr>
-            <a:spLocks noGrp="1"/>
-          </p:cNvSpPr>
-          <p:nvPr>
-            <p:ph type="title"/>
-          </p:nvPr>
-        </p:nvSpPr>
-        <p:spPr/>
-        <p:txBody>
-          <a:bodyPr/>
-          <a:lstStyle/>
-          <a:p>
-            <a:r>
-              <a:rPr lang="en-US" dirty="0"/>
-              <a:t>Third Law Pairs</a:t>
-            </a:r>
-          </a:p>
-        </p:txBody>
-      </p:sp>
-      <p:sp>
-        <p:nvSpPr>
-          <p:cNvPr id="4" name="Slide Number Placeholder 3"/>
-          <p:cNvSpPr>
-            <a:spLocks noGrp="1"/>
-          </p:cNvSpPr>
-          <p:nvPr>
-            <p:ph type="sldNum" sz="quarter" idx="12"/>
-          </p:nvPr>
-        </p:nvSpPr>
-        <p:spPr/>
-        <p:txBody>
-          <a:bodyPr/>
-          <a:lstStyle/>
-          <a:p>
-            <a:fld id="{929262FE-7F58-4A1E-8AF3-5A510A86DEBD}" type="slidenum">
-              <a:rPr lang="en-US" smtClean="0"/>
-              <a:t>4</a:t>
-            </a:fld>
-            <a:endParaRPr lang="en-US"/>
-          </a:p>
-        </p:txBody>
-      </p:sp>
-      <p:pic>
-        <p:nvPicPr>
-          <p:cNvPr id="1026" name="Picture 2" descr="https://encrypted-tbn2.gstatic.com/images?q=tbn:ANd9GcQxyMXuJY7nrzkuqmr-HWOrhBEMPnYpGmbXkDIKrf14Qzwl-BagV8D3_VoB"/>
-          <p:cNvPicPr>
-            <a:picLocks noChangeAspect="1" noChangeArrowheads="1"/>
-          </p:cNvPicPr>
-          <p:nvPr/>
-        </p:nvPicPr>
-        <p:blipFill>
-          <a:blip r:embed="rId2">
-            <a:extLst>
-              <a:ext uri="{28A0092B-C50C-407E-A947-70E740481C1C}">
-                <a14:useLocalDpi xmlns:a14="http://schemas.microsoft.com/office/drawing/2010/main" val="0"/>
-              </a:ext>
-            </a:extLst>
-          </a:blip>
-          <a:srcRect/>
-          <a:stretch>
-            <a:fillRect/>
-          </a:stretch>
-        </p:blipFill>
-        <p:spPr bwMode="auto">
-          <a:xfrm>
-            <a:off x="1295400" y="2743200"/>
-            <a:ext cx="2569029" cy="2534927"/>
-          </a:xfrm>
-          <a:prstGeom prst="rect">
-            <a:avLst/>
-          </a:prstGeom>
-          <a:noFill/>
-          <a:extLst>
-            <a:ext uri="{909E8E84-426E-40DD-AFC4-6F175D3DCCD1}">
-              <a14:hiddenFill xmlns:a14="http://schemas.microsoft.com/office/drawing/2010/main">
-                <a:solidFill>
-                  <a:srgbClr val="FFFFFF"/>
-                </a:solidFill>
-              </a14:hiddenFill>
-            </a:ext>
-          </a:extLst>
-        </p:spPr>
-      </p:pic>
-      <p:pic>
-        <p:nvPicPr>
-          <p:cNvPr id="1028" name="Picture 4" descr="http://www.clipartbest.com/cliparts/Kij/pdX/KijpdXRiq.png"/>
-          <p:cNvPicPr>
-            <a:picLocks noChangeAspect="1" noChangeArrowheads="1"/>
-          </p:cNvPicPr>
-          <p:nvPr/>
-        </p:nvPicPr>
-        <p:blipFill>
-          <a:blip r:embed="rId3" cstate="print">
-            <a:extLst>
-              <a:ext uri="{28A0092B-C50C-407E-A947-70E740481C1C}">
-                <a14:useLocalDpi xmlns:a14="http://schemas.microsoft.com/office/drawing/2010/main" val="0"/>
-              </a:ext>
-            </a:extLst>
-          </a:blip>
-          <a:srcRect/>
-          <a:stretch>
-            <a:fillRect/>
-          </a:stretch>
-        </p:blipFill>
-        <p:spPr bwMode="auto">
-          <a:xfrm>
-            <a:off x="5642485" y="3210563"/>
-            <a:ext cx="1600200" cy="1600200"/>
-          </a:xfrm>
-          <a:prstGeom prst="rect">
-            <a:avLst/>
-          </a:prstGeom>
-          <a:noFill/>
-          <a:extLst>
-            <a:ext uri="{909E8E84-426E-40DD-AFC4-6F175D3DCCD1}">
-              <a14:hiddenFill xmlns:a14="http://schemas.microsoft.com/office/drawing/2010/main">
-                <a:solidFill>
-                  <a:srgbClr val="FFFFFF"/>
-                </a:solidFill>
-              </a14:hiddenFill>
-            </a:ext>
-          </a:extLst>
-        </p:spPr>
-      </p:pic>
-      <p:cxnSp>
-        <p:nvCxnSpPr>
-          <p:cNvPr id="6" name="Straight Arrow Connector 5"/>
-          <p:cNvCxnSpPr/>
-          <p:nvPr/>
-        </p:nvCxnSpPr>
-        <p:spPr>
-          <a:xfrm flipH="1">
-            <a:off x="5261485" y="4010663"/>
-            <a:ext cx="1181100" cy="0"/>
-          </a:xfrm>
-          <a:prstGeom prst="straightConnector1">
-            <a:avLst/>
-          </a:prstGeom>
-          <a:ln>
-            <a:solidFill>
-              <a:srgbClr val="FF0000"/>
-            </a:solidFill>
-            <a:tailEnd type="arrow"/>
-          </a:ln>
-        </p:spPr>
-        <p:style>
-          <a:lnRef idx="3">
-            <a:schemeClr val="accent2"/>
-          </a:lnRef>
-          <a:fillRef idx="0">
-            <a:schemeClr val="accent2"/>
-          </a:fillRef>
-          <a:effectRef idx="2">
-            <a:schemeClr val="accent2"/>
-          </a:effectRef>
-          <a:fontRef idx="minor">
-            <a:schemeClr val="tx1"/>
-          </a:fontRef>
-        </p:style>
-      </p:cxnSp>
-      <p:cxnSp>
-        <p:nvCxnSpPr>
-          <p:cNvPr id="9" name="Straight Arrow Connector 8"/>
-          <p:cNvCxnSpPr/>
-          <p:nvPr/>
-        </p:nvCxnSpPr>
-        <p:spPr>
-          <a:xfrm>
-            <a:off x="2579914" y="4010663"/>
-            <a:ext cx="1181100" cy="0"/>
-          </a:xfrm>
-          <a:prstGeom prst="straightConnector1">
-            <a:avLst/>
-          </a:prstGeom>
-          <a:ln>
-            <a:solidFill>
-              <a:srgbClr val="FF0000"/>
-            </a:solidFill>
-            <a:tailEnd type="arrow"/>
-          </a:ln>
-        </p:spPr>
-        <p:style>
-          <a:lnRef idx="3">
-            <a:schemeClr val="accent2"/>
-          </a:lnRef>
-          <a:fillRef idx="0">
-            <a:schemeClr val="accent2"/>
-          </a:fillRef>
-          <a:effectRef idx="2">
-            <a:schemeClr val="accent2"/>
-          </a:effectRef>
-          <a:fontRef idx="minor">
-            <a:schemeClr val="tx1"/>
-          </a:fontRef>
-        </p:style>
-      </p:cxnSp>
-      <mc:AlternateContent xmlns:mc="http://schemas.openxmlformats.org/markup-compatibility/2006">
-        <mc:Choice xmlns:a14="http://schemas.microsoft.com/office/drawing/2010/main" Requires="a14">
-          <p:sp>
-            <p:nvSpPr>
-              <p:cNvPr id="3" name="TextBox 2">
-                <a:extLst>
-                  <a:ext uri="{FF2B5EF4-FFF2-40B4-BE49-F238E27FC236}">
-                    <a16:creationId xmlns:a16="http://schemas.microsoft.com/office/drawing/2014/main" id="{02408F4D-F967-4247-B98A-D614070B03B8}"/>
-                  </a:ext>
-                </a:extLst>
-              </p:cNvPr>
-              <p:cNvSpPr txBox="1"/>
-              <p:nvPr/>
-            </p:nvSpPr>
-            <p:spPr>
-              <a:xfrm>
-                <a:off x="3920613" y="3825997"/>
-                <a:ext cx="480901" cy="369332"/>
-              </a:xfrm>
-              <a:prstGeom prst="rect">
-                <a:avLst/>
-              </a:prstGeom>
-              <a:noFill/>
-            </p:spPr>
-            <p:txBody>
-              <a:bodyPr wrap="none" rtlCol="0">
-                <a:spAutoFit/>
-              </a:bodyPr>
-              <a:lstStyle/>
-              <a:p>
-                <a14:m>
-                  <m:oMathPara xmlns:m="http://schemas.openxmlformats.org/officeDocument/2006/math">
-                    <m:oMathParaPr>
-                      <m:jc m:val="centerGroup"/>
-                    </m:oMathParaPr>
-                    <m:oMath xmlns:m="http://schemas.openxmlformats.org/officeDocument/2006/math">
-                      <m:sSub>
-                        <m:sSubPr>
-                          <m:ctrlPr>
-                            <a:rPr lang="en-US" i="1" smtClean="0">
-                              <a:solidFill>
-                                <a:srgbClr val="FF0000"/>
-                              </a:solidFill>
-                              <a:latin typeface="Cambria Math" panose="02040503050406030204" pitchFamily="18" charset="0"/>
-                            </a:rPr>
-                          </m:ctrlPr>
-                        </m:sSubPr>
-                        <m:e>
-                          <m:r>
-                            <a:rPr lang="en-US" b="0" i="1" smtClean="0">
-                              <a:solidFill>
-                                <a:srgbClr val="FF0000"/>
-                              </a:solidFill>
-                              <a:latin typeface="Cambria Math" panose="02040503050406030204" pitchFamily="18" charset="0"/>
-                            </a:rPr>
-                            <m:t>𝐹</m:t>
-                          </m:r>
-                        </m:e>
-                        <m:sub>
-                          <m:r>
-                            <a:rPr lang="en-US" b="0" i="1" smtClean="0">
-                              <a:solidFill>
-                                <a:srgbClr val="FF0000"/>
-                              </a:solidFill>
-                              <a:latin typeface="Cambria Math" panose="02040503050406030204" pitchFamily="18" charset="0"/>
-                            </a:rPr>
-                            <m:t>𝐺</m:t>
-                          </m:r>
-                        </m:sub>
-                      </m:sSub>
-                    </m:oMath>
-                  </m:oMathPara>
-                </a14:m>
-                <a:endParaRPr lang="en-US" dirty="0"/>
-              </a:p>
-            </p:txBody>
-          </p:sp>
-        </mc:Choice>
-        <mc:Fallback>
-          <p:sp>
-            <p:nvSpPr>
-              <p:cNvPr id="3" name="TextBox 2">
-                <a:extLst>
-                  <a:ext uri="{FF2B5EF4-FFF2-40B4-BE49-F238E27FC236}">
-                    <a16:creationId xmlns:a16="http://schemas.microsoft.com/office/drawing/2014/main" id="{02408F4D-F967-4247-B98A-D614070B03B8}"/>
-                  </a:ext>
-                </a:extLst>
-              </p:cNvPr>
-              <p:cNvSpPr txBox="1">
-                <a:spLocks noRot="1" noChangeAspect="1" noMove="1" noResize="1" noEditPoints="1" noAdjustHandles="1" noChangeArrowheads="1" noChangeShapeType="1" noTextEdit="1"/>
-              </p:cNvSpPr>
-              <p:nvPr/>
-            </p:nvSpPr>
-            <p:spPr>
-              <a:xfrm>
-                <a:off x="3920613" y="3825997"/>
-                <a:ext cx="480901" cy="369332"/>
-              </a:xfrm>
-              <a:prstGeom prst="rect">
-                <a:avLst/>
-              </a:prstGeom>
-              <a:blipFill>
-                <a:blip r:embed="rId4"/>
-                <a:stretch>
-                  <a:fillRect/>
-                </a:stretch>
-              </a:blipFill>
-            </p:spPr>
-            <p:txBody>
-              <a:bodyPr/>
-              <a:lstStyle/>
-              <a:p>
-                <a:r>
-                  <a:rPr lang="en-US">
-                    <a:noFill/>
-                  </a:rPr>
-                  <a:t> </a:t>
-                </a:r>
-              </a:p>
-            </p:txBody>
-          </p:sp>
-        </mc:Fallback>
-      </mc:AlternateContent>
-      <mc:AlternateContent xmlns:mc="http://schemas.openxmlformats.org/markup-compatibility/2006">
-        <mc:Choice xmlns:a14="http://schemas.microsoft.com/office/drawing/2010/main" Requires="a14">
-          <p:sp>
-            <p:nvSpPr>
-              <p:cNvPr id="10" name="TextBox 9">
-                <a:extLst>
-                  <a:ext uri="{FF2B5EF4-FFF2-40B4-BE49-F238E27FC236}">
-                    <a16:creationId xmlns:a16="http://schemas.microsoft.com/office/drawing/2014/main" id="{B3BEC900-447D-4C7F-805D-7E4E442BF4D5}"/>
-                  </a:ext>
-                </a:extLst>
-              </p:cNvPr>
-              <p:cNvSpPr txBox="1"/>
-              <p:nvPr/>
-            </p:nvSpPr>
-            <p:spPr>
-              <a:xfrm>
-                <a:off x="4724400" y="3825997"/>
-                <a:ext cx="480901" cy="369332"/>
-              </a:xfrm>
-              <a:prstGeom prst="rect">
-                <a:avLst/>
-              </a:prstGeom>
-              <a:noFill/>
-            </p:spPr>
-            <p:txBody>
-              <a:bodyPr wrap="none" rtlCol="0">
-                <a:spAutoFit/>
-              </a:bodyPr>
-              <a:lstStyle/>
-              <a:p>
-                <a14:m>
-                  <m:oMathPara xmlns:m="http://schemas.openxmlformats.org/officeDocument/2006/math">
-                    <m:oMathParaPr>
-                      <m:jc m:val="centerGroup"/>
-                    </m:oMathParaPr>
-                    <m:oMath xmlns:m="http://schemas.openxmlformats.org/officeDocument/2006/math">
-                      <m:sSub>
-                        <m:sSubPr>
-                          <m:ctrlPr>
-                            <a:rPr lang="en-US" i="1" smtClean="0">
-                              <a:solidFill>
-                                <a:srgbClr val="FF0000"/>
-                              </a:solidFill>
-                              <a:latin typeface="Cambria Math" panose="02040503050406030204" pitchFamily="18" charset="0"/>
-                            </a:rPr>
-                          </m:ctrlPr>
-                        </m:sSubPr>
-                        <m:e>
-                          <m:r>
-                            <a:rPr lang="en-US" b="0" i="1" smtClean="0">
-                              <a:solidFill>
-                                <a:srgbClr val="FF0000"/>
-                              </a:solidFill>
-                              <a:latin typeface="Cambria Math" panose="02040503050406030204" pitchFamily="18" charset="0"/>
-                            </a:rPr>
-                            <m:t>𝐹</m:t>
-                          </m:r>
-                        </m:e>
-                        <m:sub>
-                          <m:r>
-                            <a:rPr lang="en-US" b="0" i="1" smtClean="0">
-                              <a:solidFill>
-                                <a:srgbClr val="FF0000"/>
-                              </a:solidFill>
-                              <a:latin typeface="Cambria Math" panose="02040503050406030204" pitchFamily="18" charset="0"/>
-                            </a:rPr>
-                            <m:t>𝐺</m:t>
-                          </m:r>
-                        </m:sub>
-                      </m:sSub>
-                    </m:oMath>
-                  </m:oMathPara>
-                </a14:m>
-                <a:endParaRPr lang="en-US" dirty="0"/>
-              </a:p>
-            </p:txBody>
-          </p:sp>
-        </mc:Choice>
-        <mc:Fallback>
-          <p:sp>
-            <p:nvSpPr>
-              <p:cNvPr id="10" name="TextBox 9">
-                <a:extLst>
-                  <a:ext uri="{FF2B5EF4-FFF2-40B4-BE49-F238E27FC236}">
-                    <a16:creationId xmlns:a16="http://schemas.microsoft.com/office/drawing/2014/main" id="{B3BEC900-447D-4C7F-805D-7E4E442BF4D5}"/>
-                  </a:ext>
-                </a:extLst>
-              </p:cNvPr>
-              <p:cNvSpPr txBox="1">
-                <a:spLocks noRot="1" noChangeAspect="1" noMove="1" noResize="1" noEditPoints="1" noAdjustHandles="1" noChangeArrowheads="1" noChangeShapeType="1" noTextEdit="1"/>
-              </p:cNvSpPr>
-              <p:nvPr/>
-            </p:nvSpPr>
-            <p:spPr>
-              <a:xfrm>
-                <a:off x="4724400" y="3825997"/>
-                <a:ext cx="480901" cy="369332"/>
-              </a:xfrm>
-              <a:prstGeom prst="rect">
-                <a:avLst/>
-              </a:prstGeom>
-              <a:blipFill>
-                <a:blip r:embed="rId5"/>
-                <a:stretch>
-                  <a:fillRect/>
-                </a:stretch>
-              </a:blipFill>
-            </p:spPr>
-            <p:txBody>
-              <a:bodyPr/>
-              <a:lstStyle/>
-              <a:p>
-                <a:r>
-                  <a:rPr lang="en-US">
-                    <a:noFill/>
-                  </a:rPr>
-                  <a:t> </a:t>
-                </a:r>
-              </a:p>
-            </p:txBody>
-          </p:sp>
-        </mc:Fallback>
-      </mc:AlternateContent>
-    </p:spTree>
-    <p:extLst>
-      <p:ext uri="{BB962C8B-B14F-4D97-AF65-F5344CB8AC3E}">
-        <p14:creationId xmlns:p14="http://schemas.microsoft.com/office/powerpoint/2010/main" val="2727592371"/>
-      </p:ext>
-    </p:extLst>
-  </p:cSld>
-  <p:clrMapOvr>
-    <a:masterClrMapping/>
-  </p:clrMapOvr>
-  <p:timing>
-    <p:tnLst>
-      <p:par>
-        <p:cTn id="1" dur="indefinite" restart="never" nodeType="tmRoot">
-          <p:childTnLst>
-            <p:seq concurrent="1" nextAc="seek">
-              <p:cTn id="2" dur="indefinite" nodeType="mainSeq">
-                <p:childTnLst>
-                  <p:par>
-                    <p:cTn id="3" fill="hold">
-                      <p:stCondLst>
-                        <p:cond delay="indefinite"/>
-                      </p:stCondLst>
-                      <p:childTnLst>
-                        <p:par>
-                          <p:cTn id="4" fill="hold">
-                            <p:stCondLst>
-                              <p:cond delay="0"/>
-                            </p:stCondLst>
-                            <p:childTnLst>
-                              <p:par>
-                                <p:cTn id="5" presetID="10" presetClass="entr" presetSubtype="0" fill="hold" nodeType="clickEffect">
-                                  <p:stCondLst>
-                                    <p:cond delay="0"/>
-                                  </p:stCondLst>
-                                  <p:childTnLst>
-                                    <p:set>
-                                      <p:cBhvr>
-                                        <p:cTn id="6" dur="1" fill="hold">
-                                          <p:stCondLst>
-                                            <p:cond delay="0"/>
-                                          </p:stCondLst>
-                                        </p:cTn>
-                                        <p:tgtEl>
-                                          <p:spTgt spid="6"/>
+                                          <p:spTgt spid="1026"/>
                                         </p:tgtEl>
                                         <p:attrNameLst>
                                           <p:attrName>style.visibility</p:attrName>
@@ -4942,2148 +5977,9 @@
                                     </p:set>
                                     <p:animEffect transition="in" filter="fade">
                                       <p:cBhvr>
-                                        <p:cTn id="7" dur="500"/>
+                                        <p:cTn id="15" dur="500"/>
                                         <p:tgtEl>
-                                          <p:spTgt spid="6"/>
-                                        </p:tgtEl>
-                                      </p:cBhvr>
-                                    </p:animEffect>
-                                  </p:childTnLst>
-                                </p:cTn>
-                              </p:par>
-                            </p:childTnLst>
-                          </p:cTn>
-                        </p:par>
-                      </p:childTnLst>
-                    </p:cTn>
-                  </p:par>
-                  <p:par>
-                    <p:cTn id="8" fill="hold">
-                      <p:stCondLst>
-                        <p:cond delay="indefinite"/>
-                      </p:stCondLst>
-                      <p:childTnLst>
-                        <p:par>
-                          <p:cTn id="9" fill="hold">
-                            <p:stCondLst>
-                              <p:cond delay="0"/>
-                            </p:stCondLst>
-                            <p:childTnLst>
-                              <p:par>
-                                <p:cTn id="10" presetID="10" presetClass="entr" presetSubtype="0" fill="hold" nodeType="clickEffect">
-                                  <p:stCondLst>
-                                    <p:cond delay="0"/>
-                                  </p:stCondLst>
-                                  <p:childTnLst>
-                                    <p:set>
-                                      <p:cBhvr>
-                                        <p:cTn id="11" dur="1" fill="hold">
-                                          <p:stCondLst>
-                                            <p:cond delay="0"/>
-                                          </p:stCondLst>
-                                        </p:cTn>
-                                        <p:tgtEl>
-                                          <p:spTgt spid="9"/>
-                                        </p:tgtEl>
-                                        <p:attrNameLst>
-                                          <p:attrName>style.visibility</p:attrName>
-                                        </p:attrNameLst>
-                                      </p:cBhvr>
-                                      <p:to>
-                                        <p:strVal val="visible"/>
-                                      </p:to>
-                                    </p:set>
-                                    <p:animEffect transition="in" filter="fade">
-                                      <p:cBhvr>
-                                        <p:cTn id="12" dur="500"/>
-                                        <p:tgtEl>
-                                          <p:spTgt spid="9"/>
-                                        </p:tgtEl>
-                                      </p:cBhvr>
-                                    </p:animEffect>
-                                  </p:childTnLst>
-                                </p:cTn>
-                              </p:par>
-                            </p:childTnLst>
-                          </p:cTn>
-                        </p:par>
-                      </p:childTnLst>
-                    </p:cTn>
-                  </p:par>
-                </p:childTnLst>
-              </p:cTn>
-              <p:prevCondLst>
-                <p:cond evt="onPrev" delay="0">
-                  <p:tgtEl>
-                    <p:sldTgt/>
-                  </p:tgtEl>
-                </p:cond>
-              </p:prevCondLst>
-              <p:nextCondLst>
-                <p:cond evt="onNext" delay="0">
-                  <p:tgtEl>
-                    <p:sldTgt/>
-                  </p:tgtEl>
-                </p:cond>
-              </p:nextCondLst>
-            </p:seq>
-          </p:childTnLst>
-        </p:cTn>
-      </p:par>
-    </p:tnLst>
-  </p:timing>
-</p:sld>
-</file>
-
-<file path=ppt/slides/slide5.xml><?xml version="1.0" encoding="utf-8"?>
-<p:sld xmlns:a="http://schemas.openxmlformats.org/drawingml/2006/main" xmlns:r="http://schemas.openxmlformats.org/officeDocument/2006/relationships" xmlns:p="http://schemas.openxmlformats.org/presentationml/2006/main">
-  <p:cSld>
-    <p:spTree>
-      <p:nvGrpSpPr>
-        <p:cNvPr id="1" name=""/>
-        <p:cNvGrpSpPr/>
-        <p:nvPr/>
-      </p:nvGrpSpPr>
-      <p:grpSpPr>
-        <a:xfrm>
-          <a:off x="0" y="0"/>
-          <a:ext cx="0" cy="0"/>
-          <a:chOff x="0" y="0"/>
-          <a:chExt cx="0" cy="0"/>
-        </a:xfrm>
-      </p:grpSpPr>
-      <p:sp>
-        <p:nvSpPr>
-          <p:cNvPr id="2" name="Title 1"/>
-          <p:cNvSpPr>
-            <a:spLocks noGrp="1"/>
-          </p:cNvSpPr>
-          <p:nvPr>
-            <p:ph type="title"/>
-          </p:nvPr>
-        </p:nvSpPr>
-        <p:spPr/>
-        <p:txBody>
-          <a:bodyPr/>
-          <a:lstStyle/>
-          <a:p>
-            <a:r>
-              <a:rPr lang="en-US" dirty="0"/>
-              <a:t>Third Law Pairs</a:t>
-            </a:r>
-          </a:p>
-        </p:txBody>
-      </p:sp>
-      <p:sp>
-        <p:nvSpPr>
-          <p:cNvPr id="4" name="Slide Number Placeholder 3"/>
-          <p:cNvSpPr>
-            <a:spLocks noGrp="1"/>
-          </p:cNvSpPr>
-          <p:nvPr>
-            <p:ph type="sldNum" sz="quarter" idx="12"/>
-          </p:nvPr>
-        </p:nvSpPr>
-        <p:spPr/>
-        <p:txBody>
-          <a:bodyPr/>
-          <a:lstStyle/>
-          <a:p>
-            <a:fld id="{929262FE-7F58-4A1E-8AF3-5A510A86DEBD}" type="slidenum">
-              <a:rPr lang="en-US" smtClean="0"/>
-              <a:t>5</a:t>
-            </a:fld>
-            <a:endParaRPr lang="en-US"/>
-          </a:p>
-        </p:txBody>
-      </p:sp>
-      <p:sp>
-        <p:nvSpPr>
-          <p:cNvPr id="5" name="Rectangle 4"/>
-          <p:cNvSpPr/>
-          <p:nvPr/>
-        </p:nvSpPr>
-        <p:spPr>
-          <a:xfrm>
-            <a:off x="3657600" y="2797629"/>
-            <a:ext cx="1752600" cy="914400"/>
-          </a:xfrm>
-          <a:prstGeom prst="rect">
-            <a:avLst/>
-          </a:prstGeom>
-        </p:spPr>
-        <p:style>
-          <a:lnRef idx="2">
-            <a:schemeClr val="accent1">
-              <a:shade val="50000"/>
-            </a:schemeClr>
-          </a:lnRef>
-          <a:fillRef idx="1">
-            <a:schemeClr val="accent1"/>
-          </a:fillRef>
-          <a:effectRef idx="0">
-            <a:schemeClr val="accent1"/>
-          </a:effectRef>
-          <a:fontRef idx="minor">
-            <a:schemeClr val="lt1"/>
-          </a:fontRef>
-        </p:style>
-        <p:txBody>
-          <a:bodyPr rtlCol="0" anchor="ctr"/>
-          <a:lstStyle/>
-          <a:p>
-            <a:pPr algn="ctr"/>
-            <a:endParaRPr lang="en-US"/>
-          </a:p>
-        </p:txBody>
-      </p:sp>
-      <p:sp>
-        <p:nvSpPr>
-          <p:cNvPr id="6" name="Rectangle 5"/>
-          <p:cNvSpPr/>
-          <p:nvPr/>
-        </p:nvSpPr>
-        <p:spPr>
-          <a:xfrm>
-            <a:off x="2095500" y="3712029"/>
-            <a:ext cx="4876800" cy="304800"/>
-          </a:xfrm>
-          <a:prstGeom prst="rect">
-            <a:avLst/>
-          </a:prstGeom>
-          <a:solidFill>
-            <a:schemeClr val="bg2">
-              <a:lumMod val="75000"/>
-            </a:schemeClr>
-          </a:solidFill>
-          <a:ln>
-            <a:solidFill>
-              <a:schemeClr val="bg2">
-                <a:lumMod val="50000"/>
-              </a:schemeClr>
-            </a:solidFill>
-          </a:ln>
-        </p:spPr>
-        <p:style>
-          <a:lnRef idx="2">
-            <a:schemeClr val="accent6">
-              <a:shade val="50000"/>
-            </a:schemeClr>
-          </a:lnRef>
-          <a:fillRef idx="1">
-            <a:schemeClr val="accent6"/>
-          </a:fillRef>
-          <a:effectRef idx="0">
-            <a:schemeClr val="accent6"/>
-          </a:effectRef>
-          <a:fontRef idx="minor">
-            <a:schemeClr val="lt1"/>
-          </a:fontRef>
-        </p:style>
-        <p:txBody>
-          <a:bodyPr rtlCol="0" anchor="ctr"/>
-          <a:lstStyle/>
-          <a:p>
-            <a:pPr algn="ctr"/>
-            <a:endParaRPr lang="en-US"/>
-          </a:p>
-        </p:txBody>
-      </p:sp>
-      <p:sp>
-        <p:nvSpPr>
-          <p:cNvPr id="7" name="Rectangle 6"/>
-          <p:cNvSpPr/>
-          <p:nvPr/>
-        </p:nvSpPr>
-        <p:spPr>
-          <a:xfrm>
-            <a:off x="2476500" y="4016829"/>
-            <a:ext cx="266700" cy="2307771"/>
-          </a:xfrm>
-          <a:prstGeom prst="rect">
-            <a:avLst/>
-          </a:prstGeom>
-          <a:solidFill>
-            <a:schemeClr val="bg2">
-              <a:lumMod val="75000"/>
-            </a:schemeClr>
-          </a:solidFill>
-          <a:ln>
-            <a:solidFill>
-              <a:schemeClr val="bg2">
-                <a:lumMod val="50000"/>
-              </a:schemeClr>
-            </a:solidFill>
-          </a:ln>
-        </p:spPr>
-        <p:style>
-          <a:lnRef idx="2">
-            <a:schemeClr val="accent6">
-              <a:shade val="50000"/>
-            </a:schemeClr>
-          </a:lnRef>
-          <a:fillRef idx="1">
-            <a:schemeClr val="accent6"/>
-          </a:fillRef>
-          <a:effectRef idx="0">
-            <a:schemeClr val="accent6"/>
-          </a:effectRef>
-          <a:fontRef idx="minor">
-            <a:schemeClr val="lt1"/>
-          </a:fontRef>
-        </p:style>
-        <p:txBody>
-          <a:bodyPr rtlCol="0" anchor="ctr"/>
-          <a:lstStyle/>
-          <a:p>
-            <a:pPr algn="ctr"/>
-            <a:endParaRPr lang="en-US"/>
-          </a:p>
-        </p:txBody>
-      </p:sp>
-      <p:sp>
-        <p:nvSpPr>
-          <p:cNvPr id="8" name="Rectangle 7"/>
-          <p:cNvSpPr/>
-          <p:nvPr/>
-        </p:nvSpPr>
-        <p:spPr>
-          <a:xfrm>
-            <a:off x="6400800" y="4016828"/>
-            <a:ext cx="266700" cy="2307771"/>
-          </a:xfrm>
-          <a:prstGeom prst="rect">
-            <a:avLst/>
-          </a:prstGeom>
-          <a:solidFill>
-            <a:schemeClr val="bg2">
-              <a:lumMod val="75000"/>
-            </a:schemeClr>
-          </a:solidFill>
-          <a:ln>
-            <a:solidFill>
-              <a:schemeClr val="bg2">
-                <a:lumMod val="50000"/>
-              </a:schemeClr>
-            </a:solidFill>
-          </a:ln>
-        </p:spPr>
-        <p:style>
-          <a:lnRef idx="2">
-            <a:schemeClr val="accent6">
-              <a:shade val="50000"/>
-            </a:schemeClr>
-          </a:lnRef>
-          <a:fillRef idx="1">
-            <a:schemeClr val="accent6"/>
-          </a:fillRef>
-          <a:effectRef idx="0">
-            <a:schemeClr val="accent6"/>
-          </a:effectRef>
-          <a:fontRef idx="minor">
-            <a:schemeClr val="lt1"/>
-          </a:fontRef>
-        </p:style>
-        <p:txBody>
-          <a:bodyPr rtlCol="0" anchor="ctr"/>
-          <a:lstStyle/>
-          <a:p>
-            <a:pPr algn="ctr"/>
-            <a:endParaRPr lang="en-US"/>
-          </a:p>
-        </p:txBody>
-      </p:sp>
-      <p:sp>
-        <p:nvSpPr>
-          <p:cNvPr id="9" name="Rectangle 8"/>
-          <p:cNvSpPr/>
-          <p:nvPr/>
-        </p:nvSpPr>
-        <p:spPr>
-          <a:xfrm>
-            <a:off x="0" y="6324600"/>
-            <a:ext cx="9144000" cy="533400"/>
-          </a:xfrm>
-          <a:prstGeom prst="rect">
-            <a:avLst/>
-          </a:prstGeom>
-        </p:spPr>
-        <p:style>
-          <a:lnRef idx="2">
-            <a:schemeClr val="accent3">
-              <a:shade val="50000"/>
-            </a:schemeClr>
-          </a:lnRef>
-          <a:fillRef idx="1">
-            <a:schemeClr val="accent3"/>
-          </a:fillRef>
-          <a:effectRef idx="0">
-            <a:schemeClr val="accent3"/>
-          </a:effectRef>
-          <a:fontRef idx="minor">
-            <a:schemeClr val="lt1"/>
-          </a:fontRef>
-        </p:style>
-        <p:txBody>
-          <a:bodyPr rtlCol="0" anchor="ctr"/>
-          <a:lstStyle/>
-          <a:p>
-            <a:pPr algn="ctr"/>
-            <a:endParaRPr lang="en-US"/>
-          </a:p>
-        </p:txBody>
-      </p:sp>
-      <p:cxnSp>
-        <p:nvCxnSpPr>
-          <p:cNvPr id="10" name="Straight Arrow Connector 9"/>
-          <p:cNvCxnSpPr/>
-          <p:nvPr/>
-        </p:nvCxnSpPr>
-        <p:spPr>
-          <a:xfrm>
-            <a:off x="4566557" y="3303092"/>
-            <a:ext cx="0" cy="713737"/>
-          </a:xfrm>
-          <a:prstGeom prst="straightConnector1">
-            <a:avLst/>
-          </a:prstGeom>
-          <a:ln>
-            <a:solidFill>
-              <a:srgbClr val="FF0000"/>
-            </a:solidFill>
-            <a:tailEnd type="arrow"/>
-          </a:ln>
-        </p:spPr>
-        <p:style>
-          <a:lnRef idx="3">
-            <a:schemeClr val="accent2"/>
-          </a:lnRef>
-          <a:fillRef idx="0">
-            <a:schemeClr val="accent2"/>
-          </a:fillRef>
-          <a:effectRef idx="2">
-            <a:schemeClr val="accent2"/>
-          </a:effectRef>
-          <a:fontRef idx="minor">
-            <a:schemeClr val="tx1"/>
-          </a:fontRef>
-        </p:style>
-      </p:cxnSp>
-      <p:cxnSp>
-        <p:nvCxnSpPr>
-          <p:cNvPr id="12" name="Straight Arrow Connector 11"/>
-          <p:cNvCxnSpPr/>
-          <p:nvPr/>
-        </p:nvCxnSpPr>
-        <p:spPr>
-          <a:xfrm flipV="1">
-            <a:off x="4533900" y="5791200"/>
-            <a:ext cx="0" cy="713737"/>
-          </a:xfrm>
-          <a:prstGeom prst="straightConnector1">
-            <a:avLst/>
-          </a:prstGeom>
-          <a:ln>
-            <a:solidFill>
-              <a:srgbClr val="FF0000"/>
-            </a:solidFill>
-            <a:tailEnd type="arrow"/>
-          </a:ln>
-        </p:spPr>
-        <p:style>
-          <a:lnRef idx="3">
-            <a:schemeClr val="accent2"/>
-          </a:lnRef>
-          <a:fillRef idx="0">
-            <a:schemeClr val="accent2"/>
-          </a:fillRef>
-          <a:effectRef idx="2">
-            <a:schemeClr val="accent2"/>
-          </a:effectRef>
-          <a:fontRef idx="minor">
-            <a:schemeClr val="tx1"/>
-          </a:fontRef>
-        </p:style>
-      </p:cxnSp>
-      <p:cxnSp>
-        <p:nvCxnSpPr>
-          <p:cNvPr id="13" name="Straight Arrow Connector 12"/>
-          <p:cNvCxnSpPr/>
-          <p:nvPr/>
-        </p:nvCxnSpPr>
-        <p:spPr>
-          <a:xfrm>
-            <a:off x="4572000" y="3738521"/>
-            <a:ext cx="0" cy="713737"/>
-          </a:xfrm>
-          <a:prstGeom prst="straightConnector1">
-            <a:avLst/>
-          </a:prstGeom>
-          <a:ln>
-            <a:solidFill>
-              <a:srgbClr val="FF0000"/>
-            </a:solidFill>
-            <a:tailEnd type="arrow"/>
-          </a:ln>
-        </p:spPr>
-        <p:style>
-          <a:lnRef idx="3">
-            <a:schemeClr val="accent2"/>
-          </a:lnRef>
-          <a:fillRef idx="0">
-            <a:schemeClr val="accent2"/>
-          </a:fillRef>
-          <a:effectRef idx="2">
-            <a:schemeClr val="accent2"/>
-          </a:effectRef>
-          <a:fontRef idx="minor">
-            <a:schemeClr val="tx1"/>
-          </a:fontRef>
-        </p:style>
-      </p:cxnSp>
-      <p:cxnSp>
-        <p:nvCxnSpPr>
-          <p:cNvPr id="14" name="Straight Arrow Connector 13"/>
-          <p:cNvCxnSpPr/>
-          <p:nvPr/>
-        </p:nvCxnSpPr>
-        <p:spPr>
-          <a:xfrm flipV="1">
-            <a:off x="4566557" y="2952390"/>
-            <a:ext cx="0" cy="713737"/>
-          </a:xfrm>
-          <a:prstGeom prst="straightConnector1">
-            <a:avLst/>
-          </a:prstGeom>
-          <a:ln>
-            <a:solidFill>
-              <a:srgbClr val="FF0000"/>
-            </a:solidFill>
-            <a:tailEnd type="arrow"/>
-          </a:ln>
-        </p:spPr>
-        <p:style>
-          <a:lnRef idx="3">
-            <a:schemeClr val="accent2"/>
-          </a:lnRef>
-          <a:fillRef idx="0">
-            <a:schemeClr val="accent2"/>
-          </a:fillRef>
-          <a:effectRef idx="2">
-            <a:schemeClr val="accent2"/>
-          </a:effectRef>
-          <a:fontRef idx="minor">
-            <a:schemeClr val="tx1"/>
-          </a:fontRef>
-        </p:style>
-      </p:cxnSp>
-    </p:spTree>
-    <p:extLst>
-      <p:ext uri="{BB962C8B-B14F-4D97-AF65-F5344CB8AC3E}">
-        <p14:creationId xmlns:p14="http://schemas.microsoft.com/office/powerpoint/2010/main" val="1451943401"/>
-      </p:ext>
-    </p:extLst>
-  </p:cSld>
-  <p:clrMapOvr>
-    <a:masterClrMapping/>
-  </p:clrMapOvr>
-  <p:timing>
-    <p:tnLst>
-      <p:par>
-        <p:cTn id="1" dur="indefinite" restart="never" nodeType="tmRoot">
-          <p:childTnLst>
-            <p:seq concurrent="1" nextAc="seek">
-              <p:cTn id="2" dur="indefinite" nodeType="mainSeq">
-                <p:childTnLst>
-                  <p:par>
-                    <p:cTn id="3" fill="hold">
-                      <p:stCondLst>
-                        <p:cond delay="indefinite"/>
-                      </p:stCondLst>
-                      <p:childTnLst>
-                        <p:par>
-                          <p:cTn id="4" fill="hold">
-                            <p:stCondLst>
-                              <p:cond delay="0"/>
-                            </p:stCondLst>
-                            <p:childTnLst>
-                              <p:par>
-                                <p:cTn id="5" presetID="10" presetClass="entr" presetSubtype="0" fill="hold" nodeType="clickEffect">
-                                  <p:stCondLst>
-                                    <p:cond delay="0"/>
-                                  </p:stCondLst>
-                                  <p:childTnLst>
-                                    <p:set>
-                                      <p:cBhvr>
-                                        <p:cTn id="6" dur="1" fill="hold">
-                                          <p:stCondLst>
-                                            <p:cond delay="0"/>
-                                          </p:stCondLst>
-                                        </p:cTn>
-                                        <p:tgtEl>
-                                          <p:spTgt spid="10"/>
-                                        </p:tgtEl>
-                                        <p:attrNameLst>
-                                          <p:attrName>style.visibility</p:attrName>
-                                        </p:attrNameLst>
-                                      </p:cBhvr>
-                                      <p:to>
-                                        <p:strVal val="visible"/>
-                                      </p:to>
-                                    </p:set>
-                                    <p:animEffect transition="in" filter="fade">
-                                      <p:cBhvr>
-                                        <p:cTn id="7" dur="500"/>
-                                        <p:tgtEl>
-                                          <p:spTgt spid="10"/>
-                                        </p:tgtEl>
-                                      </p:cBhvr>
-                                    </p:animEffect>
-                                  </p:childTnLst>
-                                </p:cTn>
-                              </p:par>
-                            </p:childTnLst>
-                          </p:cTn>
-                        </p:par>
-                      </p:childTnLst>
-                    </p:cTn>
-                  </p:par>
-                  <p:par>
-                    <p:cTn id="8" fill="hold">
-                      <p:stCondLst>
-                        <p:cond delay="indefinite"/>
-                      </p:stCondLst>
-                      <p:childTnLst>
-                        <p:par>
-                          <p:cTn id="9" fill="hold">
-                            <p:stCondLst>
-                              <p:cond delay="0"/>
-                            </p:stCondLst>
-                            <p:childTnLst>
-                              <p:par>
-                                <p:cTn id="10" presetID="10" presetClass="entr" presetSubtype="0" fill="hold" nodeType="clickEffect">
-                                  <p:stCondLst>
-                                    <p:cond delay="0"/>
-                                  </p:stCondLst>
-                                  <p:childTnLst>
-                                    <p:set>
-                                      <p:cBhvr>
-                                        <p:cTn id="11" dur="1" fill="hold">
-                                          <p:stCondLst>
-                                            <p:cond delay="0"/>
-                                          </p:stCondLst>
-                                        </p:cTn>
-                                        <p:tgtEl>
-                                          <p:spTgt spid="12"/>
-                                        </p:tgtEl>
-                                        <p:attrNameLst>
-                                          <p:attrName>style.visibility</p:attrName>
-                                        </p:attrNameLst>
-                                      </p:cBhvr>
-                                      <p:to>
-                                        <p:strVal val="visible"/>
-                                      </p:to>
-                                    </p:set>
-                                    <p:animEffect transition="in" filter="fade">
-                                      <p:cBhvr>
-                                        <p:cTn id="12" dur="500"/>
-                                        <p:tgtEl>
-                                          <p:spTgt spid="12"/>
-                                        </p:tgtEl>
-                                      </p:cBhvr>
-                                    </p:animEffect>
-                                  </p:childTnLst>
-                                </p:cTn>
-                              </p:par>
-                            </p:childTnLst>
-                          </p:cTn>
-                        </p:par>
-                      </p:childTnLst>
-                    </p:cTn>
-                  </p:par>
-                  <p:par>
-                    <p:cTn id="13" fill="hold">
-                      <p:stCondLst>
-                        <p:cond delay="indefinite"/>
-                      </p:stCondLst>
-                      <p:childTnLst>
-                        <p:par>
-                          <p:cTn id="14" fill="hold">
-                            <p:stCondLst>
-                              <p:cond delay="0"/>
-                            </p:stCondLst>
-                            <p:childTnLst>
-                              <p:par>
-                                <p:cTn id="15" presetID="10" presetClass="exit" presetSubtype="0" fill="hold" nodeType="clickEffect">
-                                  <p:stCondLst>
-                                    <p:cond delay="0"/>
-                                  </p:stCondLst>
-                                  <p:childTnLst>
-                                    <p:animEffect transition="out" filter="fade">
-                                      <p:cBhvr>
-                                        <p:cTn id="16" dur="500"/>
-                                        <p:tgtEl>
-                                          <p:spTgt spid="10"/>
-                                        </p:tgtEl>
-                                      </p:cBhvr>
-                                    </p:animEffect>
-                                    <p:set>
-                                      <p:cBhvr>
-                                        <p:cTn id="17" dur="1" fill="hold">
-                                          <p:stCondLst>
-                                            <p:cond delay="499"/>
-                                          </p:stCondLst>
-                                        </p:cTn>
-                                        <p:tgtEl>
-                                          <p:spTgt spid="10"/>
-                                        </p:tgtEl>
-                                        <p:attrNameLst>
-                                          <p:attrName>style.visibility</p:attrName>
-                                        </p:attrNameLst>
-                                      </p:cBhvr>
-                                      <p:to>
-                                        <p:strVal val="hidden"/>
-                                      </p:to>
-                                    </p:set>
-                                  </p:childTnLst>
-                                </p:cTn>
-                              </p:par>
-                              <p:par>
-                                <p:cTn id="18" presetID="10" presetClass="exit" presetSubtype="0" fill="hold" nodeType="withEffect">
-                                  <p:stCondLst>
-                                    <p:cond delay="0"/>
-                                  </p:stCondLst>
-                                  <p:childTnLst>
-                                    <p:animEffect transition="out" filter="fade">
-                                      <p:cBhvr>
-                                        <p:cTn id="19" dur="500"/>
-                                        <p:tgtEl>
-                                          <p:spTgt spid="12"/>
-                                        </p:tgtEl>
-                                      </p:cBhvr>
-                                    </p:animEffect>
-                                    <p:set>
-                                      <p:cBhvr>
-                                        <p:cTn id="20" dur="1" fill="hold">
-                                          <p:stCondLst>
-                                            <p:cond delay="499"/>
-                                          </p:stCondLst>
-                                        </p:cTn>
-                                        <p:tgtEl>
-                                          <p:spTgt spid="12"/>
-                                        </p:tgtEl>
-                                        <p:attrNameLst>
-                                          <p:attrName>style.visibility</p:attrName>
-                                        </p:attrNameLst>
-                                      </p:cBhvr>
-                                      <p:to>
-                                        <p:strVal val="hidden"/>
-                                      </p:to>
-                                    </p:set>
-                                  </p:childTnLst>
-                                </p:cTn>
-                              </p:par>
-                            </p:childTnLst>
-                          </p:cTn>
-                        </p:par>
-                      </p:childTnLst>
-                    </p:cTn>
-                  </p:par>
-                  <p:par>
-                    <p:cTn id="21" fill="hold">
-                      <p:stCondLst>
-                        <p:cond delay="indefinite"/>
-                      </p:stCondLst>
-                      <p:childTnLst>
-                        <p:par>
-                          <p:cTn id="22" fill="hold">
-                            <p:stCondLst>
-                              <p:cond delay="0"/>
-                            </p:stCondLst>
-                            <p:childTnLst>
-                              <p:par>
-                                <p:cTn id="23" presetID="10" presetClass="entr" presetSubtype="0" fill="hold" nodeType="clickEffect">
-                                  <p:stCondLst>
-                                    <p:cond delay="0"/>
-                                  </p:stCondLst>
-                                  <p:childTnLst>
-                                    <p:set>
-                                      <p:cBhvr>
-                                        <p:cTn id="24" dur="1" fill="hold">
-                                          <p:stCondLst>
-                                            <p:cond delay="0"/>
-                                          </p:stCondLst>
-                                        </p:cTn>
-                                        <p:tgtEl>
-                                          <p:spTgt spid="13"/>
-                                        </p:tgtEl>
-                                        <p:attrNameLst>
-                                          <p:attrName>style.visibility</p:attrName>
-                                        </p:attrNameLst>
-                                      </p:cBhvr>
-                                      <p:to>
-                                        <p:strVal val="visible"/>
-                                      </p:to>
-                                    </p:set>
-                                    <p:animEffect transition="in" filter="fade">
-                                      <p:cBhvr>
-                                        <p:cTn id="25" dur="500"/>
-                                        <p:tgtEl>
-                                          <p:spTgt spid="13"/>
-                                        </p:tgtEl>
-                                      </p:cBhvr>
-                                    </p:animEffect>
-                                  </p:childTnLst>
-                                </p:cTn>
-                              </p:par>
-                            </p:childTnLst>
-                          </p:cTn>
-                        </p:par>
-                      </p:childTnLst>
-                    </p:cTn>
-                  </p:par>
-                  <p:par>
-                    <p:cTn id="26" fill="hold">
-                      <p:stCondLst>
-                        <p:cond delay="indefinite"/>
-                      </p:stCondLst>
-                      <p:childTnLst>
-                        <p:par>
-                          <p:cTn id="27" fill="hold">
-                            <p:stCondLst>
-                              <p:cond delay="0"/>
-                            </p:stCondLst>
-                            <p:childTnLst>
-                              <p:par>
-                                <p:cTn id="28" presetID="10" presetClass="entr" presetSubtype="0" fill="hold" nodeType="clickEffect">
-                                  <p:stCondLst>
-                                    <p:cond delay="0"/>
-                                  </p:stCondLst>
-                                  <p:childTnLst>
-                                    <p:set>
-                                      <p:cBhvr>
-                                        <p:cTn id="29" dur="1" fill="hold">
-                                          <p:stCondLst>
-                                            <p:cond delay="0"/>
-                                          </p:stCondLst>
-                                        </p:cTn>
-                                        <p:tgtEl>
-                                          <p:spTgt spid="14"/>
-                                        </p:tgtEl>
-                                        <p:attrNameLst>
-                                          <p:attrName>style.visibility</p:attrName>
-                                        </p:attrNameLst>
-                                      </p:cBhvr>
-                                      <p:to>
-                                        <p:strVal val="visible"/>
-                                      </p:to>
-                                    </p:set>
-                                    <p:animEffect transition="in" filter="fade">
-                                      <p:cBhvr>
-                                        <p:cTn id="30" dur="500"/>
-                                        <p:tgtEl>
-                                          <p:spTgt spid="14"/>
-                                        </p:tgtEl>
-                                      </p:cBhvr>
-                                    </p:animEffect>
-                                  </p:childTnLst>
-                                </p:cTn>
-                              </p:par>
-                            </p:childTnLst>
-                          </p:cTn>
-                        </p:par>
-                      </p:childTnLst>
-                    </p:cTn>
-                  </p:par>
-                </p:childTnLst>
-              </p:cTn>
-              <p:prevCondLst>
-                <p:cond evt="onPrev" delay="0">
-                  <p:tgtEl>
-                    <p:sldTgt/>
-                  </p:tgtEl>
-                </p:cond>
-              </p:prevCondLst>
-              <p:nextCondLst>
-                <p:cond evt="onNext" delay="0">
-                  <p:tgtEl>
-                    <p:sldTgt/>
-                  </p:tgtEl>
-                </p:cond>
-              </p:nextCondLst>
-            </p:seq>
-          </p:childTnLst>
-        </p:cTn>
-      </p:par>
-    </p:tnLst>
-  </p:timing>
-</p:sld>
-</file>
-
-<file path=ppt/slides/slide6.xml><?xml version="1.0" encoding="utf-8"?>
-<p:sld xmlns:a="http://schemas.openxmlformats.org/drawingml/2006/main" xmlns:r="http://schemas.openxmlformats.org/officeDocument/2006/relationships" xmlns:p="http://schemas.openxmlformats.org/presentationml/2006/main">
-  <p:cSld>
-    <p:spTree>
-      <p:nvGrpSpPr>
-        <p:cNvPr id="1" name=""/>
-        <p:cNvGrpSpPr/>
-        <p:nvPr/>
-      </p:nvGrpSpPr>
-      <p:grpSpPr>
-        <a:xfrm>
-          <a:off x="0" y="0"/>
-          <a:ext cx="0" cy="0"/>
-          <a:chOff x="0" y="0"/>
-          <a:chExt cx="0" cy="0"/>
-        </a:xfrm>
-      </p:grpSpPr>
-      <p:sp>
-        <p:nvSpPr>
-          <p:cNvPr id="2" name="Title 1"/>
-          <p:cNvSpPr>
-            <a:spLocks noGrp="1"/>
-          </p:cNvSpPr>
-          <p:nvPr>
-            <p:ph type="title"/>
-          </p:nvPr>
-        </p:nvSpPr>
-        <p:spPr/>
-        <p:txBody>
-          <a:bodyPr/>
-          <a:lstStyle/>
-          <a:p>
-            <a:r>
-              <a:rPr lang="en-US" dirty="0"/>
-              <a:t>Third Law Pairs</a:t>
-            </a:r>
-          </a:p>
-        </p:txBody>
-      </p:sp>
-      <p:sp>
-        <p:nvSpPr>
-          <p:cNvPr id="4" name="Slide Number Placeholder 3"/>
-          <p:cNvSpPr>
-            <a:spLocks noGrp="1"/>
-          </p:cNvSpPr>
-          <p:nvPr>
-            <p:ph type="sldNum" sz="quarter" idx="12"/>
-          </p:nvPr>
-        </p:nvSpPr>
-        <p:spPr/>
-        <p:txBody>
-          <a:bodyPr/>
-          <a:lstStyle/>
-          <a:p>
-            <a:fld id="{929262FE-7F58-4A1E-8AF3-5A510A86DEBD}" type="slidenum">
-              <a:rPr lang="en-US" smtClean="0"/>
-              <a:t>6</a:t>
-            </a:fld>
-            <a:endParaRPr lang="en-US"/>
-          </a:p>
-        </p:txBody>
-      </p:sp>
-      <p:sp>
-        <p:nvSpPr>
-          <p:cNvPr id="5" name="Rounded Rectangle 4"/>
-          <p:cNvSpPr/>
-          <p:nvPr/>
-        </p:nvSpPr>
-        <p:spPr>
-          <a:xfrm rot="5400000">
-            <a:off x="4800600" y="838200"/>
-            <a:ext cx="304800" cy="3352800"/>
-          </a:xfrm>
-          <a:prstGeom prst="roundRect">
-            <a:avLst>
-              <a:gd name="adj" fmla="val 50000"/>
-            </a:avLst>
-          </a:prstGeom>
-        </p:spPr>
-        <p:style>
-          <a:lnRef idx="1">
-            <a:schemeClr val="dk1"/>
-          </a:lnRef>
-          <a:fillRef idx="2">
-            <a:schemeClr val="dk1"/>
-          </a:fillRef>
-          <a:effectRef idx="1">
-            <a:schemeClr val="dk1"/>
-          </a:effectRef>
-          <a:fontRef idx="minor">
-            <a:schemeClr val="dk1"/>
-          </a:fontRef>
-        </p:style>
-        <p:txBody>
-          <a:bodyPr rtlCol="0" anchor="ctr"/>
-          <a:lstStyle/>
-          <a:p>
-            <a:pPr algn="ctr"/>
-            <a:endParaRPr lang="en-US"/>
-          </a:p>
-        </p:txBody>
-      </p:sp>
-      <p:sp>
-        <p:nvSpPr>
-          <p:cNvPr id="6" name="Rounded Rectangle 5"/>
-          <p:cNvSpPr/>
-          <p:nvPr/>
-        </p:nvSpPr>
-        <p:spPr>
-          <a:xfrm rot="5400000">
-            <a:off x="3048000" y="2095500"/>
-            <a:ext cx="304800" cy="838200"/>
-          </a:xfrm>
-          <a:prstGeom prst="roundRect">
-            <a:avLst>
-              <a:gd name="adj" fmla="val 50000"/>
-            </a:avLst>
-          </a:prstGeom>
-        </p:spPr>
-        <p:style>
-          <a:lnRef idx="1">
-            <a:schemeClr val="dk1"/>
-          </a:lnRef>
-          <a:fillRef idx="2">
-            <a:schemeClr val="dk1"/>
-          </a:fillRef>
-          <a:effectRef idx="1">
-            <a:schemeClr val="dk1"/>
-          </a:effectRef>
-          <a:fontRef idx="minor">
-            <a:schemeClr val="dk1"/>
-          </a:fontRef>
-        </p:style>
-        <p:txBody>
-          <a:bodyPr rtlCol="0" anchor="ctr"/>
-          <a:lstStyle/>
-          <a:p>
-            <a:pPr algn="ctr"/>
-            <a:endParaRPr lang="en-US"/>
-          </a:p>
-        </p:txBody>
-      </p:sp>
-      <p:sp>
-        <p:nvSpPr>
-          <p:cNvPr id="7" name="Oval 6"/>
-          <p:cNvSpPr/>
-          <p:nvPr/>
-        </p:nvSpPr>
-        <p:spPr>
-          <a:xfrm>
-            <a:off x="3413760" y="2466702"/>
-            <a:ext cx="91440" cy="91440"/>
-          </a:xfrm>
-          <a:prstGeom prst="ellipse">
-            <a:avLst/>
-          </a:prstGeom>
-        </p:spPr>
-        <p:style>
-          <a:lnRef idx="2">
-            <a:schemeClr val="dk1">
-              <a:shade val="50000"/>
-            </a:schemeClr>
-          </a:lnRef>
-          <a:fillRef idx="1">
-            <a:schemeClr val="dk1"/>
-          </a:fillRef>
-          <a:effectRef idx="0">
-            <a:schemeClr val="dk1"/>
-          </a:effectRef>
-          <a:fontRef idx="minor">
-            <a:schemeClr val="lt1"/>
-          </a:fontRef>
-        </p:style>
-        <p:txBody>
-          <a:bodyPr rtlCol="0" anchor="ctr"/>
-          <a:lstStyle/>
-          <a:p>
-            <a:pPr algn="ctr"/>
-            <a:endParaRPr lang="en-US"/>
-          </a:p>
-        </p:txBody>
-      </p:sp>
-      <p:sp>
-        <p:nvSpPr>
-          <p:cNvPr id="8" name="Rectangle 7"/>
-          <p:cNvSpPr/>
-          <p:nvPr/>
-        </p:nvSpPr>
-        <p:spPr>
-          <a:xfrm>
-            <a:off x="2133600" y="1600200"/>
-            <a:ext cx="1066800" cy="1828800"/>
-          </a:xfrm>
-          <a:prstGeom prst="rect">
-            <a:avLst/>
-          </a:prstGeom>
-          <a:solidFill>
-            <a:schemeClr val="bg2">
-              <a:lumMod val="75000"/>
-            </a:schemeClr>
-          </a:solidFill>
-          <a:ln>
-            <a:solidFill>
-              <a:schemeClr val="bg2">
-                <a:lumMod val="50000"/>
-              </a:schemeClr>
-            </a:solidFill>
-          </a:ln>
-        </p:spPr>
-        <p:style>
-          <a:lnRef idx="2">
-            <a:schemeClr val="accent6">
-              <a:shade val="50000"/>
-            </a:schemeClr>
-          </a:lnRef>
-          <a:fillRef idx="1">
-            <a:schemeClr val="accent6"/>
-          </a:fillRef>
-          <a:effectRef idx="0">
-            <a:schemeClr val="accent6"/>
-          </a:effectRef>
-          <a:fontRef idx="minor">
-            <a:schemeClr val="lt1"/>
-          </a:fontRef>
-        </p:style>
-        <p:txBody>
-          <a:bodyPr rtlCol="0" anchor="ctr"/>
-          <a:lstStyle/>
-          <a:p>
-            <a:pPr algn="ctr"/>
-            <a:endParaRPr lang="en-US"/>
-          </a:p>
-        </p:txBody>
-      </p:sp>
-      <p:sp>
-        <p:nvSpPr>
-          <p:cNvPr id="10" name="Freeform 9"/>
-          <p:cNvSpPr/>
-          <p:nvPr/>
-        </p:nvSpPr>
-        <p:spPr>
-          <a:xfrm>
-            <a:off x="1534886" y="1251857"/>
-            <a:ext cx="2111828" cy="2612572"/>
-          </a:xfrm>
-          <a:custGeom>
-            <a:avLst/>
-            <a:gdLst>
-              <a:gd name="connsiteX0" fmla="*/ 1992085 w 2111828"/>
-              <a:gd name="connsiteY0" fmla="*/ 566057 h 2612572"/>
-              <a:gd name="connsiteX1" fmla="*/ 838200 w 2111828"/>
-              <a:gd name="connsiteY1" fmla="*/ 555172 h 2612572"/>
-              <a:gd name="connsiteX2" fmla="*/ 838200 w 2111828"/>
-              <a:gd name="connsiteY2" fmla="*/ 1937657 h 2612572"/>
-              <a:gd name="connsiteX3" fmla="*/ 2111828 w 2111828"/>
-              <a:gd name="connsiteY3" fmla="*/ 1926772 h 2612572"/>
-              <a:gd name="connsiteX4" fmla="*/ 2090057 w 2111828"/>
-              <a:gd name="connsiteY4" fmla="*/ 2612572 h 2612572"/>
-              <a:gd name="connsiteX5" fmla="*/ 65314 w 2111828"/>
-              <a:gd name="connsiteY5" fmla="*/ 2569029 h 2612572"/>
-              <a:gd name="connsiteX6" fmla="*/ 0 w 2111828"/>
-              <a:gd name="connsiteY6" fmla="*/ 0 h 2612572"/>
-              <a:gd name="connsiteX7" fmla="*/ 2046514 w 2111828"/>
-              <a:gd name="connsiteY7" fmla="*/ 43543 h 2612572"/>
-              <a:gd name="connsiteX8" fmla="*/ 1992085 w 2111828"/>
-              <a:gd name="connsiteY8" fmla="*/ 566057 h 2612572"/>
-            </a:gdLst>
-            <a:ahLst/>
-            <a:cxnLst>
-              <a:cxn ang="0">
-                <a:pos x="connsiteX0" y="connsiteY0"/>
-              </a:cxn>
-              <a:cxn ang="0">
-                <a:pos x="connsiteX1" y="connsiteY1"/>
-              </a:cxn>
-              <a:cxn ang="0">
-                <a:pos x="connsiteX2" y="connsiteY2"/>
-              </a:cxn>
-              <a:cxn ang="0">
-                <a:pos x="connsiteX3" y="connsiteY3"/>
-              </a:cxn>
-              <a:cxn ang="0">
-                <a:pos x="connsiteX4" y="connsiteY4"/>
-              </a:cxn>
-              <a:cxn ang="0">
-                <a:pos x="connsiteX5" y="connsiteY5"/>
-              </a:cxn>
-              <a:cxn ang="0">
-                <a:pos x="connsiteX6" y="connsiteY6"/>
-              </a:cxn>
-              <a:cxn ang="0">
-                <a:pos x="connsiteX7" y="connsiteY7"/>
-              </a:cxn>
-              <a:cxn ang="0">
-                <a:pos x="connsiteX8" y="connsiteY8"/>
-              </a:cxn>
-            </a:cxnLst>
-            <a:rect l="l" t="t" r="r" b="b"/>
-            <a:pathLst>
-              <a:path w="2111828" h="2612572">
-                <a:moveTo>
-                  <a:pt x="1992085" y="566057"/>
-                </a:moveTo>
-                <a:lnTo>
-                  <a:pt x="838200" y="555172"/>
-                </a:lnTo>
-                <a:lnTo>
-                  <a:pt x="838200" y="1937657"/>
-                </a:lnTo>
-                <a:lnTo>
-                  <a:pt x="2111828" y="1926772"/>
-                </a:lnTo>
-                <a:lnTo>
-                  <a:pt x="2090057" y="2612572"/>
-                </a:lnTo>
-                <a:lnTo>
-                  <a:pt x="65314" y="2569029"/>
-                </a:lnTo>
-                <a:lnTo>
-                  <a:pt x="0" y="0"/>
-                </a:lnTo>
-                <a:lnTo>
-                  <a:pt x="2046514" y="43543"/>
-                </a:lnTo>
-                <a:lnTo>
-                  <a:pt x="1992085" y="566057"/>
-                </a:lnTo>
-                <a:close/>
-              </a:path>
-            </a:pathLst>
-          </a:custGeom>
-          <a:solidFill>
-            <a:schemeClr val="bg1"/>
-          </a:solidFill>
-          <a:ln>
-            <a:noFill/>
-          </a:ln>
-          <a:effectLst>
-            <a:softEdge rad="63500"/>
-          </a:effectLst>
-        </p:spPr>
-        <p:style>
-          <a:lnRef idx="2">
-            <a:schemeClr val="accent1">
-              <a:shade val="50000"/>
-            </a:schemeClr>
-          </a:lnRef>
-          <a:fillRef idx="1">
-            <a:schemeClr val="accent1"/>
-          </a:fillRef>
-          <a:effectRef idx="0">
-            <a:schemeClr val="accent1"/>
-          </a:effectRef>
-          <a:fontRef idx="minor">
-            <a:schemeClr val="lt1"/>
-          </a:fontRef>
-        </p:style>
-        <p:txBody>
-          <a:bodyPr rtlCol="0" anchor="ctr"/>
-          <a:lstStyle/>
-          <a:p>
-            <a:pPr algn="ctr"/>
-            <a:endParaRPr lang="en-US"/>
-          </a:p>
-        </p:txBody>
-      </p:sp>
-      <p:sp>
-        <p:nvSpPr>
-          <p:cNvPr id="11" name="Rounded Rectangle 10"/>
-          <p:cNvSpPr/>
-          <p:nvPr/>
-        </p:nvSpPr>
-        <p:spPr>
-          <a:xfrm rot="5400000">
-            <a:off x="6096000" y="3015343"/>
-            <a:ext cx="304800" cy="3352800"/>
-          </a:xfrm>
-          <a:prstGeom prst="roundRect">
-            <a:avLst>
-              <a:gd name="adj" fmla="val 50000"/>
-            </a:avLst>
-          </a:prstGeom>
-        </p:spPr>
-        <p:style>
-          <a:lnRef idx="1">
-            <a:schemeClr val="dk1"/>
-          </a:lnRef>
-          <a:fillRef idx="2">
-            <a:schemeClr val="dk1"/>
-          </a:fillRef>
-          <a:effectRef idx="1">
-            <a:schemeClr val="dk1"/>
-          </a:effectRef>
-          <a:fontRef idx="minor">
-            <a:schemeClr val="dk1"/>
-          </a:fontRef>
-        </p:style>
-        <p:txBody>
-          <a:bodyPr rtlCol="0" anchor="ctr"/>
-          <a:lstStyle/>
-          <a:p>
-            <a:pPr algn="ctr"/>
-            <a:endParaRPr lang="en-US"/>
-          </a:p>
-        </p:txBody>
-      </p:sp>
-      <p:sp>
-        <p:nvSpPr>
-          <p:cNvPr id="12" name="Rounded Rectangle 11"/>
-          <p:cNvSpPr/>
-          <p:nvPr/>
-        </p:nvSpPr>
-        <p:spPr>
-          <a:xfrm rot="5400000">
-            <a:off x="2373086" y="4272643"/>
-            <a:ext cx="304800" cy="838200"/>
-          </a:xfrm>
-          <a:prstGeom prst="roundRect">
-            <a:avLst>
-              <a:gd name="adj" fmla="val 50000"/>
-            </a:avLst>
-          </a:prstGeom>
-        </p:spPr>
-        <p:style>
-          <a:lnRef idx="1">
-            <a:schemeClr val="dk1"/>
-          </a:lnRef>
-          <a:fillRef idx="2">
-            <a:schemeClr val="dk1"/>
-          </a:fillRef>
-          <a:effectRef idx="1">
-            <a:schemeClr val="dk1"/>
-          </a:effectRef>
-          <a:fontRef idx="minor">
-            <a:schemeClr val="dk1"/>
-          </a:fontRef>
-        </p:style>
-        <p:txBody>
-          <a:bodyPr rtlCol="0" anchor="ctr"/>
-          <a:lstStyle/>
-          <a:p>
-            <a:pPr algn="ctr"/>
-            <a:endParaRPr lang="en-US"/>
-          </a:p>
-        </p:txBody>
-      </p:sp>
-      <p:sp>
-        <p:nvSpPr>
-          <p:cNvPr id="13" name="Oval 12"/>
-          <p:cNvSpPr/>
-          <p:nvPr/>
-        </p:nvSpPr>
-        <p:spPr>
-          <a:xfrm>
-            <a:off x="2738846" y="4643845"/>
-            <a:ext cx="91440" cy="91440"/>
-          </a:xfrm>
-          <a:prstGeom prst="ellipse">
-            <a:avLst/>
-          </a:prstGeom>
-        </p:spPr>
-        <p:style>
-          <a:lnRef idx="2">
-            <a:schemeClr val="dk1">
-              <a:shade val="50000"/>
-            </a:schemeClr>
-          </a:lnRef>
-          <a:fillRef idx="1">
-            <a:schemeClr val="dk1"/>
-          </a:fillRef>
-          <a:effectRef idx="0">
-            <a:schemeClr val="dk1"/>
-          </a:effectRef>
-          <a:fontRef idx="minor">
-            <a:schemeClr val="lt1"/>
-          </a:fontRef>
-        </p:style>
-        <p:txBody>
-          <a:bodyPr rtlCol="0" anchor="ctr"/>
-          <a:lstStyle/>
-          <a:p>
-            <a:pPr algn="ctr"/>
-            <a:endParaRPr lang="en-US"/>
-          </a:p>
-        </p:txBody>
-      </p:sp>
-      <p:sp>
-        <p:nvSpPr>
-          <p:cNvPr id="14" name="Rectangle 13"/>
-          <p:cNvSpPr/>
-          <p:nvPr/>
-        </p:nvSpPr>
-        <p:spPr>
-          <a:xfrm>
-            <a:off x="1458686" y="3777343"/>
-            <a:ext cx="1066800" cy="1828800"/>
-          </a:xfrm>
-          <a:prstGeom prst="rect">
-            <a:avLst/>
-          </a:prstGeom>
-          <a:solidFill>
-            <a:schemeClr val="bg2">
-              <a:lumMod val="75000"/>
-            </a:schemeClr>
-          </a:solidFill>
-          <a:ln>
-            <a:solidFill>
-              <a:schemeClr val="bg2">
-                <a:lumMod val="50000"/>
-              </a:schemeClr>
-            </a:solidFill>
-          </a:ln>
-        </p:spPr>
-        <p:style>
-          <a:lnRef idx="2">
-            <a:schemeClr val="accent6">
-              <a:shade val="50000"/>
-            </a:schemeClr>
-          </a:lnRef>
-          <a:fillRef idx="1">
-            <a:schemeClr val="accent6"/>
-          </a:fillRef>
-          <a:effectRef idx="0">
-            <a:schemeClr val="accent6"/>
-          </a:effectRef>
-          <a:fontRef idx="minor">
-            <a:schemeClr val="lt1"/>
-          </a:fontRef>
-        </p:style>
-        <p:txBody>
-          <a:bodyPr rtlCol="0" anchor="ctr"/>
-          <a:lstStyle/>
-          <a:p>
-            <a:pPr algn="ctr"/>
-            <a:endParaRPr lang="en-US"/>
-          </a:p>
-        </p:txBody>
-      </p:sp>
-      <p:sp>
-        <p:nvSpPr>
-          <p:cNvPr id="15" name="Freeform 14"/>
-          <p:cNvSpPr/>
-          <p:nvPr/>
-        </p:nvSpPr>
-        <p:spPr>
-          <a:xfrm>
-            <a:off x="859972" y="3429000"/>
-            <a:ext cx="2111828" cy="2612572"/>
-          </a:xfrm>
-          <a:custGeom>
-            <a:avLst/>
-            <a:gdLst>
-              <a:gd name="connsiteX0" fmla="*/ 1992085 w 2111828"/>
-              <a:gd name="connsiteY0" fmla="*/ 566057 h 2612572"/>
-              <a:gd name="connsiteX1" fmla="*/ 838200 w 2111828"/>
-              <a:gd name="connsiteY1" fmla="*/ 555172 h 2612572"/>
-              <a:gd name="connsiteX2" fmla="*/ 838200 w 2111828"/>
-              <a:gd name="connsiteY2" fmla="*/ 1937657 h 2612572"/>
-              <a:gd name="connsiteX3" fmla="*/ 2111828 w 2111828"/>
-              <a:gd name="connsiteY3" fmla="*/ 1926772 h 2612572"/>
-              <a:gd name="connsiteX4" fmla="*/ 2090057 w 2111828"/>
-              <a:gd name="connsiteY4" fmla="*/ 2612572 h 2612572"/>
-              <a:gd name="connsiteX5" fmla="*/ 65314 w 2111828"/>
-              <a:gd name="connsiteY5" fmla="*/ 2569029 h 2612572"/>
-              <a:gd name="connsiteX6" fmla="*/ 0 w 2111828"/>
-              <a:gd name="connsiteY6" fmla="*/ 0 h 2612572"/>
-              <a:gd name="connsiteX7" fmla="*/ 2046514 w 2111828"/>
-              <a:gd name="connsiteY7" fmla="*/ 43543 h 2612572"/>
-              <a:gd name="connsiteX8" fmla="*/ 1992085 w 2111828"/>
-              <a:gd name="connsiteY8" fmla="*/ 566057 h 2612572"/>
-            </a:gdLst>
-            <a:ahLst/>
-            <a:cxnLst>
-              <a:cxn ang="0">
-                <a:pos x="connsiteX0" y="connsiteY0"/>
-              </a:cxn>
-              <a:cxn ang="0">
-                <a:pos x="connsiteX1" y="connsiteY1"/>
-              </a:cxn>
-              <a:cxn ang="0">
-                <a:pos x="connsiteX2" y="connsiteY2"/>
-              </a:cxn>
-              <a:cxn ang="0">
-                <a:pos x="connsiteX3" y="connsiteY3"/>
-              </a:cxn>
-              <a:cxn ang="0">
-                <a:pos x="connsiteX4" y="connsiteY4"/>
-              </a:cxn>
-              <a:cxn ang="0">
-                <a:pos x="connsiteX5" y="connsiteY5"/>
-              </a:cxn>
-              <a:cxn ang="0">
-                <a:pos x="connsiteX6" y="connsiteY6"/>
-              </a:cxn>
-              <a:cxn ang="0">
-                <a:pos x="connsiteX7" y="connsiteY7"/>
-              </a:cxn>
-              <a:cxn ang="0">
-                <a:pos x="connsiteX8" y="connsiteY8"/>
-              </a:cxn>
-            </a:cxnLst>
-            <a:rect l="l" t="t" r="r" b="b"/>
-            <a:pathLst>
-              <a:path w="2111828" h="2612572">
-                <a:moveTo>
-                  <a:pt x="1992085" y="566057"/>
-                </a:moveTo>
-                <a:lnTo>
-                  <a:pt x="838200" y="555172"/>
-                </a:lnTo>
-                <a:lnTo>
-                  <a:pt x="838200" y="1937657"/>
-                </a:lnTo>
-                <a:lnTo>
-                  <a:pt x="2111828" y="1926772"/>
-                </a:lnTo>
-                <a:lnTo>
-                  <a:pt x="2090057" y="2612572"/>
-                </a:lnTo>
-                <a:lnTo>
-                  <a:pt x="65314" y="2569029"/>
-                </a:lnTo>
-                <a:lnTo>
-                  <a:pt x="0" y="0"/>
-                </a:lnTo>
-                <a:lnTo>
-                  <a:pt x="2046514" y="43543"/>
-                </a:lnTo>
-                <a:lnTo>
-                  <a:pt x="1992085" y="566057"/>
-                </a:lnTo>
-                <a:close/>
-              </a:path>
-            </a:pathLst>
-          </a:custGeom>
-          <a:solidFill>
-            <a:schemeClr val="bg1"/>
-          </a:solidFill>
-          <a:ln>
-            <a:noFill/>
-          </a:ln>
-          <a:effectLst>
-            <a:softEdge rad="63500"/>
-          </a:effectLst>
-        </p:spPr>
-        <p:style>
-          <a:lnRef idx="2">
-            <a:schemeClr val="accent1">
-              <a:shade val="50000"/>
-            </a:schemeClr>
-          </a:lnRef>
-          <a:fillRef idx="1">
-            <a:schemeClr val="accent1"/>
-          </a:fillRef>
-          <a:effectRef idx="0">
-            <a:schemeClr val="accent1"/>
-          </a:effectRef>
-          <a:fontRef idx="minor">
-            <a:schemeClr val="lt1"/>
-          </a:fontRef>
-        </p:style>
-        <p:txBody>
-          <a:bodyPr rtlCol="0" anchor="ctr"/>
-          <a:lstStyle/>
-          <a:p>
-            <a:pPr algn="ctr"/>
-            <a:endParaRPr lang="en-US"/>
-          </a:p>
-        </p:txBody>
-      </p:sp>
-      <p:sp>
-        <p:nvSpPr>
-          <p:cNvPr id="16" name="Oval 15"/>
-          <p:cNvSpPr/>
-          <p:nvPr/>
-        </p:nvSpPr>
-        <p:spPr>
-          <a:xfrm>
-            <a:off x="4724400" y="4648200"/>
-            <a:ext cx="91440" cy="91440"/>
-          </a:xfrm>
-          <a:prstGeom prst="ellipse">
-            <a:avLst/>
-          </a:prstGeom>
-        </p:spPr>
-        <p:style>
-          <a:lnRef idx="2">
-            <a:schemeClr val="dk1">
-              <a:shade val="50000"/>
-            </a:schemeClr>
-          </a:lnRef>
-          <a:fillRef idx="1">
-            <a:schemeClr val="dk1"/>
-          </a:fillRef>
-          <a:effectRef idx="0">
-            <a:schemeClr val="dk1"/>
-          </a:effectRef>
-          <a:fontRef idx="minor">
-            <a:schemeClr val="lt1"/>
-          </a:fontRef>
-        </p:style>
-        <p:txBody>
-          <a:bodyPr rtlCol="0" anchor="ctr"/>
-          <a:lstStyle/>
-          <a:p>
-            <a:pPr algn="ctr"/>
-            <a:endParaRPr lang="en-US"/>
-          </a:p>
-        </p:txBody>
-      </p:sp>
-      <p:cxnSp>
-        <p:nvCxnSpPr>
-          <p:cNvPr id="17" name="Straight Arrow Connector 16"/>
-          <p:cNvCxnSpPr/>
-          <p:nvPr/>
-        </p:nvCxnSpPr>
-        <p:spPr>
-          <a:xfrm flipV="1">
-            <a:off x="4770120" y="3975828"/>
-            <a:ext cx="0" cy="713737"/>
-          </a:xfrm>
-          <a:prstGeom prst="straightConnector1">
-            <a:avLst/>
-          </a:prstGeom>
-          <a:ln>
-            <a:solidFill>
-              <a:srgbClr val="FF0000"/>
-            </a:solidFill>
-            <a:tailEnd type="arrow"/>
-          </a:ln>
-        </p:spPr>
-        <p:style>
-          <a:lnRef idx="3">
-            <a:schemeClr val="accent2"/>
-          </a:lnRef>
-          <a:fillRef idx="0">
-            <a:schemeClr val="accent2"/>
-          </a:fillRef>
-          <a:effectRef idx="2">
-            <a:schemeClr val="accent2"/>
-          </a:effectRef>
-          <a:fontRef idx="minor">
-            <a:schemeClr val="tx1"/>
-          </a:fontRef>
-        </p:style>
-      </p:cxnSp>
-      <p:cxnSp>
-        <p:nvCxnSpPr>
-          <p:cNvPr id="18" name="Straight Arrow Connector 17"/>
-          <p:cNvCxnSpPr/>
-          <p:nvPr/>
-        </p:nvCxnSpPr>
-        <p:spPr>
-          <a:xfrm>
-            <a:off x="2821577" y="4687388"/>
-            <a:ext cx="716280" cy="2177"/>
-          </a:xfrm>
-          <a:prstGeom prst="straightConnector1">
-            <a:avLst/>
-          </a:prstGeom>
-          <a:ln>
-            <a:solidFill>
-              <a:srgbClr val="FF0000"/>
-            </a:solidFill>
-            <a:tailEnd type="arrow"/>
-          </a:ln>
-        </p:spPr>
-        <p:style>
-          <a:lnRef idx="3">
-            <a:schemeClr val="accent2"/>
-          </a:lnRef>
-          <a:fillRef idx="0">
-            <a:schemeClr val="accent2"/>
-          </a:fillRef>
-          <a:effectRef idx="2">
-            <a:schemeClr val="accent2"/>
-          </a:effectRef>
-          <a:fontRef idx="minor">
-            <a:schemeClr val="tx1"/>
-          </a:fontRef>
-        </p:style>
-      </p:cxnSp>
-      <p:cxnSp>
-        <p:nvCxnSpPr>
-          <p:cNvPr id="20" name="Straight Arrow Connector 19"/>
-          <p:cNvCxnSpPr/>
-          <p:nvPr/>
-        </p:nvCxnSpPr>
-        <p:spPr>
-          <a:xfrm>
-            <a:off x="2773680" y="4689565"/>
-            <a:ext cx="0" cy="713737"/>
-          </a:xfrm>
-          <a:prstGeom prst="straightConnector1">
-            <a:avLst/>
-          </a:prstGeom>
-          <a:ln>
-            <a:solidFill>
-              <a:srgbClr val="FF0000"/>
-            </a:solidFill>
-            <a:tailEnd type="arrow"/>
-          </a:ln>
-        </p:spPr>
-        <p:style>
-          <a:lnRef idx="3">
-            <a:schemeClr val="accent2"/>
-          </a:lnRef>
-          <a:fillRef idx="0">
-            <a:schemeClr val="accent2"/>
-          </a:fillRef>
-          <a:effectRef idx="2">
-            <a:schemeClr val="accent2"/>
-          </a:effectRef>
-          <a:fontRef idx="minor">
-            <a:schemeClr val="tx1"/>
-          </a:fontRef>
-        </p:style>
-      </p:cxnSp>
-      <p:cxnSp>
-        <p:nvCxnSpPr>
-          <p:cNvPr id="21" name="Straight Arrow Connector 20"/>
-          <p:cNvCxnSpPr/>
-          <p:nvPr/>
-        </p:nvCxnSpPr>
-        <p:spPr>
-          <a:xfrm flipH="1">
-            <a:off x="4008120" y="4700452"/>
-            <a:ext cx="716280" cy="2177"/>
-          </a:xfrm>
-          <a:prstGeom prst="straightConnector1">
-            <a:avLst/>
-          </a:prstGeom>
-          <a:ln>
-            <a:solidFill>
-              <a:srgbClr val="FF0000"/>
-            </a:solidFill>
-            <a:tailEnd type="arrow"/>
-          </a:ln>
-        </p:spPr>
-        <p:style>
-          <a:lnRef idx="3">
-            <a:schemeClr val="accent2"/>
-          </a:lnRef>
-          <a:fillRef idx="0">
-            <a:schemeClr val="accent2"/>
-          </a:fillRef>
-          <a:effectRef idx="2">
-            <a:schemeClr val="accent2"/>
-          </a:effectRef>
-          <a:fontRef idx="minor">
-            <a:schemeClr val="tx1"/>
-          </a:fontRef>
-        </p:style>
-      </p:cxnSp>
-    </p:spTree>
-    <p:extLst>
-      <p:ext uri="{BB962C8B-B14F-4D97-AF65-F5344CB8AC3E}">
-        <p14:creationId xmlns:p14="http://schemas.microsoft.com/office/powerpoint/2010/main" val="955717946"/>
-      </p:ext>
-    </p:extLst>
-  </p:cSld>
-  <p:clrMapOvr>
-    <a:masterClrMapping/>
-  </p:clrMapOvr>
-  <p:timing>
-    <p:tnLst>
-      <p:par>
-        <p:cTn id="1" dur="indefinite" restart="never" nodeType="tmRoot">
-          <p:childTnLst>
-            <p:seq concurrent="1" nextAc="seek">
-              <p:cTn id="2" dur="indefinite" nodeType="mainSeq">
-                <p:childTnLst>
-                  <p:par>
-                    <p:cTn id="3" fill="hold">
-                      <p:stCondLst>
-                        <p:cond delay="indefinite"/>
-                      </p:stCondLst>
-                      <p:childTnLst>
-                        <p:par>
-                          <p:cTn id="4" fill="hold">
-                            <p:stCondLst>
-                              <p:cond delay="0"/>
-                            </p:stCondLst>
-                            <p:childTnLst>
-                              <p:par>
-                                <p:cTn id="5" presetID="10" presetClass="entr" presetSubtype="0" fill="hold" grpId="0" nodeType="clickEffect">
-                                  <p:stCondLst>
-                                    <p:cond delay="0"/>
-                                  </p:stCondLst>
-                                  <p:childTnLst>
-                                    <p:set>
-                                      <p:cBhvr>
-                                        <p:cTn id="6" dur="1" fill="hold">
-                                          <p:stCondLst>
-                                            <p:cond delay="0"/>
-                                          </p:stCondLst>
-                                        </p:cTn>
-                                        <p:tgtEl>
-                                          <p:spTgt spid="11"/>
-                                        </p:tgtEl>
-                                        <p:attrNameLst>
-                                          <p:attrName>style.visibility</p:attrName>
-                                        </p:attrNameLst>
-                                      </p:cBhvr>
-                                      <p:to>
-                                        <p:strVal val="visible"/>
-                                      </p:to>
-                                    </p:set>
-                                    <p:animEffect transition="in" filter="fade">
-                                      <p:cBhvr>
-                                        <p:cTn id="7" dur="500"/>
-                                        <p:tgtEl>
-                                          <p:spTgt spid="11"/>
-                                        </p:tgtEl>
-                                      </p:cBhvr>
-                                    </p:animEffect>
-                                  </p:childTnLst>
-                                </p:cTn>
-                              </p:par>
-                              <p:par>
-                                <p:cTn id="8" presetID="10" presetClass="entr" presetSubtype="0" fill="hold" grpId="0" nodeType="withEffect">
-                                  <p:stCondLst>
-                                    <p:cond delay="0"/>
-                                  </p:stCondLst>
-                                  <p:childTnLst>
-                                    <p:set>
-                                      <p:cBhvr>
-                                        <p:cTn id="9" dur="1" fill="hold">
-                                          <p:stCondLst>
-                                            <p:cond delay="0"/>
-                                          </p:stCondLst>
-                                        </p:cTn>
-                                        <p:tgtEl>
-                                          <p:spTgt spid="16"/>
-                                        </p:tgtEl>
-                                        <p:attrNameLst>
-                                          <p:attrName>style.visibility</p:attrName>
-                                        </p:attrNameLst>
-                                      </p:cBhvr>
-                                      <p:to>
-                                        <p:strVal val="visible"/>
-                                      </p:to>
-                                    </p:set>
-                                    <p:animEffect transition="in" filter="fade">
-                                      <p:cBhvr>
-                                        <p:cTn id="10" dur="500"/>
-                                        <p:tgtEl>
-                                          <p:spTgt spid="16"/>
-                                        </p:tgtEl>
-                                      </p:cBhvr>
-                                    </p:animEffect>
-                                  </p:childTnLst>
-                                </p:cTn>
-                              </p:par>
-                              <p:par>
-                                <p:cTn id="11" presetID="10" presetClass="entr" presetSubtype="0" fill="hold" grpId="0" nodeType="withEffect">
-                                  <p:stCondLst>
-                                    <p:cond delay="0"/>
-                                  </p:stCondLst>
-                                  <p:childTnLst>
-                                    <p:set>
-                                      <p:cBhvr>
-                                        <p:cTn id="12" dur="1" fill="hold">
-                                          <p:stCondLst>
-                                            <p:cond delay="0"/>
-                                          </p:stCondLst>
-                                        </p:cTn>
-                                        <p:tgtEl>
-                                          <p:spTgt spid="12"/>
-                                        </p:tgtEl>
-                                        <p:attrNameLst>
-                                          <p:attrName>style.visibility</p:attrName>
-                                        </p:attrNameLst>
-                                      </p:cBhvr>
-                                      <p:to>
-                                        <p:strVal val="visible"/>
-                                      </p:to>
-                                    </p:set>
-                                    <p:animEffect transition="in" filter="fade">
-                                      <p:cBhvr>
-                                        <p:cTn id="13" dur="500"/>
-                                        <p:tgtEl>
-                                          <p:spTgt spid="12"/>
-                                        </p:tgtEl>
-                                      </p:cBhvr>
-                                    </p:animEffect>
-                                  </p:childTnLst>
-                                </p:cTn>
-                              </p:par>
-                              <p:par>
-                                <p:cTn id="14" presetID="10" presetClass="entr" presetSubtype="0" fill="hold" grpId="0" nodeType="withEffect">
-                                  <p:stCondLst>
-                                    <p:cond delay="0"/>
-                                  </p:stCondLst>
-                                  <p:childTnLst>
-                                    <p:set>
-                                      <p:cBhvr>
-                                        <p:cTn id="15" dur="1" fill="hold">
-                                          <p:stCondLst>
-                                            <p:cond delay="0"/>
-                                          </p:stCondLst>
-                                        </p:cTn>
-                                        <p:tgtEl>
-                                          <p:spTgt spid="13"/>
-                                        </p:tgtEl>
-                                        <p:attrNameLst>
-                                          <p:attrName>style.visibility</p:attrName>
-                                        </p:attrNameLst>
-                                      </p:cBhvr>
-                                      <p:to>
-                                        <p:strVal val="visible"/>
-                                      </p:to>
-                                    </p:set>
-                                    <p:animEffect transition="in" filter="fade">
-                                      <p:cBhvr>
-                                        <p:cTn id="16" dur="500"/>
-                                        <p:tgtEl>
-                                          <p:spTgt spid="13"/>
-                                        </p:tgtEl>
-                                      </p:cBhvr>
-                                    </p:animEffect>
-                                  </p:childTnLst>
-                                </p:cTn>
-                              </p:par>
-                              <p:par>
-                                <p:cTn id="17" presetID="10" presetClass="entr" presetSubtype="0" fill="hold" grpId="0" nodeType="withEffect">
-                                  <p:stCondLst>
-                                    <p:cond delay="0"/>
-                                  </p:stCondLst>
-                                  <p:childTnLst>
-                                    <p:set>
-                                      <p:cBhvr>
-                                        <p:cTn id="18" dur="1" fill="hold">
-                                          <p:stCondLst>
-                                            <p:cond delay="0"/>
-                                          </p:stCondLst>
-                                        </p:cTn>
-                                        <p:tgtEl>
-                                          <p:spTgt spid="14"/>
-                                        </p:tgtEl>
-                                        <p:attrNameLst>
-                                          <p:attrName>style.visibility</p:attrName>
-                                        </p:attrNameLst>
-                                      </p:cBhvr>
-                                      <p:to>
-                                        <p:strVal val="visible"/>
-                                      </p:to>
-                                    </p:set>
-                                    <p:animEffect transition="in" filter="fade">
-                                      <p:cBhvr>
-                                        <p:cTn id="19" dur="500"/>
-                                        <p:tgtEl>
-                                          <p:spTgt spid="14"/>
-                                        </p:tgtEl>
-                                      </p:cBhvr>
-                                    </p:animEffect>
-                                  </p:childTnLst>
-                                </p:cTn>
-                              </p:par>
-                              <p:par>
-                                <p:cTn id="20" presetID="10" presetClass="entr" presetSubtype="0" fill="hold" grpId="0" nodeType="withEffect">
-                                  <p:stCondLst>
-                                    <p:cond delay="0"/>
-                                  </p:stCondLst>
-                                  <p:childTnLst>
-                                    <p:set>
-                                      <p:cBhvr>
-                                        <p:cTn id="21" dur="1" fill="hold">
-                                          <p:stCondLst>
-                                            <p:cond delay="0"/>
-                                          </p:stCondLst>
-                                        </p:cTn>
-                                        <p:tgtEl>
-                                          <p:spTgt spid="15"/>
-                                        </p:tgtEl>
-                                        <p:attrNameLst>
-                                          <p:attrName>style.visibility</p:attrName>
-                                        </p:attrNameLst>
-                                      </p:cBhvr>
-                                      <p:to>
-                                        <p:strVal val="visible"/>
-                                      </p:to>
-                                    </p:set>
-                                    <p:animEffect transition="in" filter="fade">
-                                      <p:cBhvr>
-                                        <p:cTn id="22" dur="500"/>
-                                        <p:tgtEl>
-                                          <p:spTgt spid="15"/>
-                                        </p:tgtEl>
-                                      </p:cBhvr>
-                                    </p:animEffect>
-                                  </p:childTnLst>
-                                </p:cTn>
-                              </p:par>
-                            </p:childTnLst>
-                          </p:cTn>
-                        </p:par>
-                      </p:childTnLst>
-                    </p:cTn>
-                  </p:par>
-                  <p:par>
-                    <p:cTn id="23" fill="hold">
-                      <p:stCondLst>
-                        <p:cond delay="indefinite"/>
-                      </p:stCondLst>
-                      <p:childTnLst>
-                        <p:par>
-                          <p:cTn id="24" fill="hold">
-                            <p:stCondLst>
-                              <p:cond delay="0"/>
-                            </p:stCondLst>
-                            <p:childTnLst>
-                              <p:par>
-                                <p:cTn id="25" presetID="10" presetClass="entr" presetSubtype="0" fill="hold" nodeType="clickEffect">
-                                  <p:stCondLst>
-                                    <p:cond delay="0"/>
-                                  </p:stCondLst>
-                                  <p:childTnLst>
-                                    <p:set>
-                                      <p:cBhvr>
-                                        <p:cTn id="26" dur="1" fill="hold">
-                                          <p:stCondLst>
-                                            <p:cond delay="0"/>
-                                          </p:stCondLst>
-                                        </p:cTn>
-                                        <p:tgtEl>
-                                          <p:spTgt spid="21"/>
-                                        </p:tgtEl>
-                                        <p:attrNameLst>
-                                          <p:attrName>style.visibility</p:attrName>
-                                        </p:attrNameLst>
-                                      </p:cBhvr>
-                                      <p:to>
-                                        <p:strVal val="visible"/>
-                                      </p:to>
-                                    </p:set>
-                                    <p:animEffect transition="in" filter="fade">
-                                      <p:cBhvr>
-                                        <p:cTn id="27" dur="500"/>
-                                        <p:tgtEl>
-                                          <p:spTgt spid="21"/>
-                                        </p:tgtEl>
-                                      </p:cBhvr>
-                                    </p:animEffect>
-                                  </p:childTnLst>
-                                </p:cTn>
-                              </p:par>
-                              <p:par>
-                                <p:cTn id="28" presetID="10" presetClass="entr" presetSubtype="0" fill="hold" nodeType="withEffect">
-                                  <p:stCondLst>
-                                    <p:cond delay="0"/>
-                                  </p:stCondLst>
-                                  <p:childTnLst>
-                                    <p:set>
-                                      <p:cBhvr>
-                                        <p:cTn id="29" dur="1" fill="hold">
-                                          <p:stCondLst>
-                                            <p:cond delay="0"/>
-                                          </p:stCondLst>
-                                        </p:cTn>
-                                        <p:tgtEl>
-                                          <p:spTgt spid="17"/>
-                                        </p:tgtEl>
-                                        <p:attrNameLst>
-                                          <p:attrName>style.visibility</p:attrName>
-                                        </p:attrNameLst>
-                                      </p:cBhvr>
-                                      <p:to>
-                                        <p:strVal val="visible"/>
-                                      </p:to>
-                                    </p:set>
-                                    <p:animEffect transition="in" filter="fade">
-                                      <p:cBhvr>
-                                        <p:cTn id="30" dur="500"/>
-                                        <p:tgtEl>
-                                          <p:spTgt spid="17"/>
-                                        </p:tgtEl>
-                                      </p:cBhvr>
-                                    </p:animEffect>
-                                  </p:childTnLst>
-                                </p:cTn>
-                              </p:par>
-                            </p:childTnLst>
-                          </p:cTn>
-                        </p:par>
-                      </p:childTnLst>
-                    </p:cTn>
-                  </p:par>
-                  <p:par>
-                    <p:cTn id="31" fill="hold">
-                      <p:stCondLst>
-                        <p:cond delay="indefinite"/>
-                      </p:stCondLst>
-                      <p:childTnLst>
-                        <p:par>
-                          <p:cTn id="32" fill="hold">
-                            <p:stCondLst>
-                              <p:cond delay="0"/>
-                            </p:stCondLst>
-                            <p:childTnLst>
-                              <p:par>
-                                <p:cTn id="33" presetID="10" presetClass="entr" presetSubtype="0" fill="hold" nodeType="clickEffect">
-                                  <p:stCondLst>
-                                    <p:cond delay="0"/>
-                                  </p:stCondLst>
-                                  <p:childTnLst>
-                                    <p:set>
-                                      <p:cBhvr>
-                                        <p:cTn id="34" dur="1" fill="hold">
-                                          <p:stCondLst>
-                                            <p:cond delay="0"/>
-                                          </p:stCondLst>
-                                        </p:cTn>
-                                        <p:tgtEl>
-                                          <p:spTgt spid="20"/>
-                                        </p:tgtEl>
-                                        <p:attrNameLst>
-                                          <p:attrName>style.visibility</p:attrName>
-                                        </p:attrNameLst>
-                                      </p:cBhvr>
-                                      <p:to>
-                                        <p:strVal val="visible"/>
-                                      </p:to>
-                                    </p:set>
-                                    <p:animEffect transition="in" filter="fade">
-                                      <p:cBhvr>
-                                        <p:cTn id="35" dur="500"/>
-                                        <p:tgtEl>
-                                          <p:spTgt spid="20"/>
-                                        </p:tgtEl>
-                                      </p:cBhvr>
-                                    </p:animEffect>
-                                  </p:childTnLst>
-                                </p:cTn>
-                              </p:par>
-                              <p:par>
-                                <p:cTn id="36" presetID="10" presetClass="entr" presetSubtype="0" fill="hold" nodeType="withEffect">
-                                  <p:stCondLst>
-                                    <p:cond delay="0"/>
-                                  </p:stCondLst>
-                                  <p:childTnLst>
-                                    <p:set>
-                                      <p:cBhvr>
-                                        <p:cTn id="37" dur="1" fill="hold">
-                                          <p:stCondLst>
-                                            <p:cond delay="0"/>
-                                          </p:stCondLst>
-                                        </p:cTn>
-                                        <p:tgtEl>
-                                          <p:spTgt spid="18"/>
-                                        </p:tgtEl>
-                                        <p:attrNameLst>
-                                          <p:attrName>style.visibility</p:attrName>
-                                        </p:attrNameLst>
-                                      </p:cBhvr>
-                                      <p:to>
-                                        <p:strVal val="visible"/>
-                                      </p:to>
-                                    </p:set>
-                                    <p:animEffect transition="in" filter="fade">
-                                      <p:cBhvr>
-                                        <p:cTn id="38" dur="500"/>
-                                        <p:tgtEl>
-                                          <p:spTgt spid="18"/>
+                                          <p:spTgt spid="1026"/>
                                         </p:tgtEl>
                                       </p:cBhvr>
                                     </p:animEffect>
@@ -7118,12 +6014,7 @@
       </p:par>
     </p:tnLst>
     <p:bldLst>
-      <p:bldP spid="11" grpId="0" animBg="1"/>
-      <p:bldP spid="12" grpId="0" animBg="1"/>
-      <p:bldP spid="13" grpId="0" animBg="1"/>
-      <p:bldP spid="14" grpId="0" animBg="1"/>
-      <p:bldP spid="15" grpId="0" animBg="1"/>
-      <p:bldP spid="16" grpId="0" animBg="1"/>
+      <p:bldP spid="3" grpId="0" build="p"/>
     </p:bldLst>
   </p:timing>
 </p:sld>
@@ -7774,6 +6665,12 @@
 </file>
 
 <file path=customXml/item1.xml><?xml version="1.0" encoding="utf-8"?>
+<p:properties xmlns:p="http://schemas.microsoft.com/office/2006/metadata/properties" xmlns:xsi="http://www.w3.org/2001/XMLSchema-instance" xmlns:pc="http://schemas.microsoft.com/office/infopath/2007/PartnerControls">
+  <documentManagement/>
+</p:properties>
+</file>
+
+<file path=customXml/item2.xml><?xml version="1.0" encoding="utf-8"?>
 <ct:contentTypeSchema xmlns:ct="http://schemas.microsoft.com/office/2006/metadata/contentType" xmlns:ma="http://schemas.microsoft.com/office/2006/metadata/properties/metaAttributes" ct:_="" ma:_="" ma:contentTypeName="Document" ma:contentTypeID="0x010100A06DF21F5BB2734A800ED30F3F452129" ma:contentTypeVersion="12" ma:contentTypeDescription="Create a new document." ma:contentTypeScope="" ma:versionID="544d96a5fbac5de9d5d902b535c73fb2">
   <xsd:schema xmlns:xsd="http://www.w3.org/2001/XMLSchema" xmlns:xs="http://www.w3.org/2001/XMLSchema" xmlns:p="http://schemas.microsoft.com/office/2006/metadata/properties" xmlns:ns3="90d05cb5-950f-4f68-bc2c-e17794455b92" xmlns:ns4="b4eab9fa-dbb0-4082-8491-8bd54207a265" targetNamespace="http://schemas.microsoft.com/office/2006/metadata/properties" ma:root="true" ma:fieldsID="7a710efc71c2169bf9c05e5a40dddf12" ns3:_="" ns4:_="">
     <xsd:import namespace="90d05cb5-950f-4f68-bc2c-e17794455b92"/>
@@ -7990,7 +6887,7 @@
 </ct:contentTypeSchema>
 </file>
 
-<file path=customXml/item2.xml><?xml version="1.0" encoding="utf-8"?>
+<file path=customXml/item3.xml><?xml version="1.0" encoding="utf-8"?>
 <?mso-contentType ?>
 <FormTemplates xmlns="http://schemas.microsoft.com/sharepoint/v3/contenttype/forms">
   <Display>DocumentLibraryForm</Display>
@@ -7999,13 +6896,16 @@
 </FormTemplates>
 </file>
 
-<file path=customXml/item3.xml><?xml version="1.0" encoding="utf-8"?>
-<p:properties xmlns:p="http://schemas.microsoft.com/office/2006/metadata/properties" xmlns:xsi="http://www.w3.org/2001/XMLSchema-instance" xmlns:pc="http://schemas.microsoft.com/office/infopath/2007/PartnerControls">
-  <documentManagement/>
-</p:properties>
+<file path=customXml/itemProps1.xml><?xml version="1.0" encoding="utf-8"?>
+<ds:datastoreItem xmlns:ds="http://schemas.openxmlformats.org/officeDocument/2006/customXml" ds:itemID="{52EB1464-66D1-425A-BBB5-7A9312BBE9C4}">
+  <ds:schemaRefs>
+    <ds:schemaRef ds:uri="http://schemas.microsoft.com/office/2006/metadata/properties"/>
+    <ds:schemaRef ds:uri="http://schemas.microsoft.com/office/infopath/2007/PartnerControls"/>
+  </ds:schemaRefs>
+</ds:datastoreItem>
 </file>
 
-<file path=customXml/itemProps1.xml><?xml version="1.0" encoding="utf-8"?>
+<file path=customXml/itemProps2.xml><?xml version="1.0" encoding="utf-8"?>
 <ds:datastoreItem xmlns:ds="http://schemas.openxmlformats.org/officeDocument/2006/customXml" ds:itemID="{A43B8A4B-79FE-4529-931C-D64224FA70E3}">
   <ds:schemaRefs>
     <ds:schemaRef ds:uri="http://schemas.microsoft.com/office/2006/metadata/contentType"/>
@@ -8024,27 +6924,10 @@
 </ds:datastoreItem>
 </file>
 
-<file path=customXml/itemProps2.xml><?xml version="1.0" encoding="utf-8"?>
+<file path=customXml/itemProps3.xml><?xml version="1.0" encoding="utf-8"?>
 <ds:datastoreItem xmlns:ds="http://schemas.openxmlformats.org/officeDocument/2006/customXml" ds:itemID="{F5CF5F32-56DC-4068-8B04-457CF34A96F3}">
   <ds:schemaRefs>
     <ds:schemaRef ds:uri="http://schemas.microsoft.com/sharepoint/v3/contenttype/forms"/>
   </ds:schemaRefs>
 </ds:datastoreItem>
-</file>
-
-<file path=customXml/itemProps3.xml><?xml version="1.0" encoding="utf-8"?>
-<ds:datastoreItem xmlns:ds="http://schemas.openxmlformats.org/officeDocument/2006/customXml" ds:itemID="{52EB1464-66D1-425A-BBB5-7A9312BBE9C4}">
-  <ds:schemaRefs>
-    <ds:schemaRef ds:uri="http://purl.org/dc/elements/1.1/"/>
-    <ds:schemaRef ds:uri="http://schemas.microsoft.com/office/2006/metadata/properties"/>
-    <ds:schemaRef ds:uri="http://purl.org/dc/terms/"/>
-    <ds:schemaRef ds:uri="http://schemas.microsoft.com/office/2006/documentManagement/types"/>
-    <ds:schemaRef ds:uri="http://schemas.microsoft.com/office/infopath/2007/PartnerControls"/>
-    <ds:schemaRef ds:uri="http://schemas.openxmlformats.org/package/2006/metadata/core-properties"/>
-    <ds:schemaRef ds:uri="b4eab9fa-dbb0-4082-8491-8bd54207a265"/>
-    <ds:schemaRef ds:uri="90d05cb5-950f-4f68-bc2c-e17794455b92"/>
-    <ds:schemaRef ds:uri="http://www.w3.org/XML/1998/namespace"/>
-    <ds:schemaRef ds:uri="http://purl.org/dc/dcmitype/"/>
-  </ds:schemaRefs>
-</ds:datastoreItem>
 </file>